--- a/Airbnb_intoTheFuture.pptx
+++ b/Airbnb_intoTheFuture.pptx
@@ -24,7 +24,7 @@
     <p:sldId id="264" r:id="rId15"/>
     <p:sldId id="261" r:id="rId16"/>
     <p:sldId id="287" r:id="rId17"/>
-    <p:sldId id="305" r:id="rId18"/>
+    <p:sldId id="310" r:id="rId18"/>
     <p:sldId id="290" r:id="rId19"/>
     <p:sldId id="291" r:id="rId20"/>
     <p:sldId id="306" r:id="rId21"/>
@@ -586,7 +586,7 @@
   <p:cSld>
     <p:spTree>
       <p:nvGrpSpPr>
-        <p:cNvPr id="1" name="Shape 105"/>
+        <p:cNvPr id="1" name="Shape 132"/>
         <p:cNvGrpSpPr/>
         <p:nvPr/>
       </p:nvGrpSpPr>
@@ -600,7 +600,7 @@
       </p:grpSpPr>
       <p:sp>
         <p:nvSpPr>
-          <p:cNvPr id="106" name="Google Shape;106;g59e4a52ff1_0_55:notes"/>
+          <p:cNvPr id="133" name="Google Shape;133;g59e4a52ff1_0_17:notes"/>
           <p:cNvSpPr>
             <a:spLocks noGrp="1" noRot="1" noChangeAspect="1"/>
           </p:cNvSpPr>
@@ -641,7 +641,7 @@
       </p:sp>
       <p:sp>
         <p:nvSpPr>
-          <p:cNvPr id="107" name="Google Shape;107;g59e4a52ff1_0_55:notes"/>
+          <p:cNvPr id="134" name="Google Shape;134;g59e4a52ff1_0_17:notes"/>
           <p:cNvSpPr txBox="1">
             <a:spLocks noGrp="1"/>
           </p:cNvSpPr>
@@ -690,7 +690,7 @@
   <p:cSld>
     <p:spTree>
       <p:nvGrpSpPr>
-        <p:cNvPr id="1" name="Shape 132"/>
+        <p:cNvPr id="1" name="Shape 138"/>
         <p:cNvGrpSpPr/>
         <p:nvPr/>
       </p:nvGrpSpPr>
@@ -704,7 +704,7 @@
       </p:grpSpPr>
       <p:sp>
         <p:nvSpPr>
-          <p:cNvPr id="133" name="Google Shape;133;g59e4a52ff1_0_17:notes"/>
+          <p:cNvPr id="139" name="Google Shape;139;g59e4a52ff1_0_22:notes"/>
           <p:cNvSpPr>
             <a:spLocks noGrp="1" noRot="1" noChangeAspect="1"/>
           </p:cNvSpPr>
@@ -745,7 +745,7 @@
       </p:sp>
       <p:sp>
         <p:nvSpPr>
-          <p:cNvPr id="134" name="Google Shape;134;g59e4a52ff1_0_17:notes"/>
+          <p:cNvPr id="140" name="Google Shape;140;g59e4a52ff1_0_22:notes"/>
           <p:cNvSpPr txBox="1">
             <a:spLocks noGrp="1"/>
           </p:cNvSpPr>
@@ -794,7 +794,7 @@
   <p:cSld>
     <p:spTree>
       <p:nvGrpSpPr>
-        <p:cNvPr id="1" name="Shape 138"/>
+        <p:cNvPr id="1" name="Shape 145"/>
         <p:cNvGrpSpPr/>
         <p:nvPr/>
       </p:nvGrpSpPr>
@@ -808,7 +808,7 @@
       </p:grpSpPr>
       <p:sp>
         <p:nvSpPr>
-          <p:cNvPr id="139" name="Google Shape;139;g59e4a52ff1_0_22:notes"/>
+          <p:cNvPr id="146" name="Google Shape;146;g59e4a52ff1_0_30:notes"/>
           <p:cNvSpPr>
             <a:spLocks noGrp="1" noRot="1" noChangeAspect="1"/>
           </p:cNvSpPr>
@@ -849,7 +849,7 @@
       </p:sp>
       <p:sp>
         <p:nvSpPr>
-          <p:cNvPr id="140" name="Google Shape;140;g59e4a52ff1_0_22:notes"/>
+          <p:cNvPr id="147" name="Google Shape;147;g59e4a52ff1_0_30:notes"/>
           <p:cNvSpPr txBox="1">
             <a:spLocks noGrp="1"/>
           </p:cNvSpPr>
@@ -898,7 +898,7 @@
   <p:cSld>
     <p:spTree>
       <p:nvGrpSpPr>
-        <p:cNvPr id="1" name="Shape 145"/>
+        <p:cNvPr id="1" name="Shape 150"/>
         <p:cNvGrpSpPr/>
         <p:nvPr/>
       </p:nvGrpSpPr>
@@ -912,7 +912,7 @@
       </p:grpSpPr>
       <p:sp>
         <p:nvSpPr>
-          <p:cNvPr id="146" name="Google Shape;146;g59e4a52ff1_0_30:notes"/>
+          <p:cNvPr id="151" name="Google Shape;151;g59e4a52ff1_0_37:notes"/>
           <p:cNvSpPr>
             <a:spLocks noGrp="1" noRot="1" noChangeAspect="1"/>
           </p:cNvSpPr>
@@ -953,7 +953,7 @@
       </p:sp>
       <p:sp>
         <p:nvSpPr>
-          <p:cNvPr id="147" name="Google Shape;147;g59e4a52ff1_0_30:notes"/>
+          <p:cNvPr id="152" name="Google Shape;152;g59e4a52ff1_0_37:notes"/>
           <p:cNvSpPr txBox="1">
             <a:spLocks noGrp="1"/>
           </p:cNvSpPr>
@@ -1002,7 +1002,7 @@
   <p:cSld>
     <p:spTree>
       <p:nvGrpSpPr>
-        <p:cNvPr id="1" name="Shape 150"/>
+        <p:cNvPr id="1" name="Shape 162"/>
         <p:cNvGrpSpPr/>
         <p:nvPr/>
       </p:nvGrpSpPr>
@@ -1016,7 +1016,7 @@
       </p:grpSpPr>
       <p:sp>
         <p:nvSpPr>
-          <p:cNvPr id="151" name="Google Shape;151;g59e4a52ff1_0_37:notes"/>
+          <p:cNvPr id="163" name="Google Shape;163;g59e4a52ff1_0_45:notes"/>
           <p:cNvSpPr>
             <a:spLocks noGrp="1" noRot="1" noChangeAspect="1"/>
           </p:cNvSpPr>
@@ -1057,7 +1057,7 @@
       </p:sp>
       <p:sp>
         <p:nvSpPr>
-          <p:cNvPr id="152" name="Google Shape;152;g59e4a52ff1_0_37:notes"/>
+          <p:cNvPr id="164" name="Google Shape;164;g59e4a52ff1_0_45:notes"/>
           <p:cNvSpPr txBox="1">
             <a:spLocks noGrp="1"/>
           </p:cNvSpPr>
@@ -1210,7 +1210,7 @@
   <p:cSld>
     <p:spTree>
       <p:nvGrpSpPr>
-        <p:cNvPr id="1" name="Shape 162"/>
+        <p:cNvPr id="1" name="Shape 168"/>
         <p:cNvGrpSpPr/>
         <p:nvPr/>
       </p:nvGrpSpPr>
@@ -1224,7 +1224,7 @@
       </p:grpSpPr>
       <p:sp>
         <p:nvSpPr>
-          <p:cNvPr id="163" name="Google Shape;163;g59e4a52ff1_0_45:notes"/>
+          <p:cNvPr id="169" name="Google Shape;169;g59e4a52ff1_1_0:notes"/>
           <p:cNvSpPr>
             <a:spLocks noGrp="1" noRot="1" noChangeAspect="1"/>
           </p:cNvSpPr>
@@ -1265,7 +1265,7 @@
       </p:sp>
       <p:sp>
         <p:nvSpPr>
-          <p:cNvPr id="164" name="Google Shape;164;g59e4a52ff1_0_45:notes"/>
+          <p:cNvPr id="170" name="Google Shape;170;g59e4a52ff1_1_0:notes"/>
           <p:cNvSpPr txBox="1">
             <a:spLocks noGrp="1"/>
           </p:cNvSpPr>
@@ -1314,7 +1314,7 @@
   <p:cSld>
     <p:spTree>
       <p:nvGrpSpPr>
-        <p:cNvPr id="1" name="Shape 168"/>
+        <p:cNvPr id="1" name="Shape 175"/>
         <p:cNvGrpSpPr/>
         <p:nvPr/>
       </p:nvGrpSpPr>
@@ -1328,7 +1328,7 @@
       </p:grpSpPr>
       <p:sp>
         <p:nvSpPr>
-          <p:cNvPr id="169" name="Google Shape;169;g59e4a52ff1_1_0:notes"/>
+          <p:cNvPr id="176" name="Google Shape;176;g59e4a52ff1_0_76:notes"/>
           <p:cNvSpPr>
             <a:spLocks noGrp="1" noRot="1" noChangeAspect="1"/>
           </p:cNvSpPr>
@@ -1369,7 +1369,7 @@
       </p:sp>
       <p:sp>
         <p:nvSpPr>
-          <p:cNvPr id="170" name="Google Shape;170;g59e4a52ff1_1_0:notes"/>
+          <p:cNvPr id="177" name="Google Shape;177;g59e4a52ff1_0_76:notes"/>
           <p:cNvSpPr txBox="1">
             <a:spLocks noGrp="1"/>
           </p:cNvSpPr>
@@ -1418,7 +1418,7 @@
   <p:cSld>
     <p:spTree>
       <p:nvGrpSpPr>
-        <p:cNvPr id="1" name="Shape 175"/>
+        <p:cNvPr id="1" name="Shape 181"/>
         <p:cNvGrpSpPr/>
         <p:nvPr/>
       </p:nvGrpSpPr>
@@ -1432,7 +1432,7 @@
       </p:grpSpPr>
       <p:sp>
         <p:nvSpPr>
-          <p:cNvPr id="176" name="Google Shape;176;g59e4a52ff1_0_76:notes"/>
+          <p:cNvPr id="182" name="Google Shape;182;g59e4a52ff1_0_81:notes"/>
           <p:cNvSpPr>
             <a:spLocks noGrp="1" noRot="1" noChangeAspect="1"/>
           </p:cNvSpPr>
@@ -1473,7 +1473,7 @@
       </p:sp>
       <p:sp>
         <p:nvSpPr>
-          <p:cNvPr id="177" name="Google Shape;177;g59e4a52ff1_0_76:notes"/>
+          <p:cNvPr id="183" name="Google Shape;183;g59e4a52ff1_0_81:notes"/>
           <p:cNvSpPr txBox="1">
             <a:spLocks noGrp="1"/>
           </p:cNvSpPr>
@@ -1522,7 +1522,7 @@
   <p:cSld>
     <p:spTree>
       <p:nvGrpSpPr>
-        <p:cNvPr id="1" name="Shape 181"/>
+        <p:cNvPr id="1" name="Shape 188"/>
         <p:cNvGrpSpPr/>
         <p:nvPr/>
       </p:nvGrpSpPr>
@@ -1536,7 +1536,7 @@
       </p:grpSpPr>
       <p:sp>
         <p:nvSpPr>
-          <p:cNvPr id="182" name="Google Shape;182;g59e4a52ff1_0_81:notes"/>
+          <p:cNvPr id="189" name="Google Shape;189;g59e4a52ff1_0_88:notes"/>
           <p:cNvSpPr>
             <a:spLocks noGrp="1" noRot="1" noChangeAspect="1"/>
           </p:cNvSpPr>
@@ -1577,7 +1577,7 @@
       </p:sp>
       <p:sp>
         <p:nvSpPr>
-          <p:cNvPr id="183" name="Google Shape;183;g59e4a52ff1_0_81:notes"/>
+          <p:cNvPr id="190" name="Google Shape;190;g59e4a52ff1_0_88:notes"/>
           <p:cNvSpPr txBox="1">
             <a:spLocks noGrp="1"/>
           </p:cNvSpPr>
@@ -1708,12 +1708,12 @@
 </p:notes>
 </file>
 
-<file path=ppt/notesSlides/notesSlide20.xml><?xml version="1.0" encoding="utf-8"?>
-<p:notes xmlns:a="http://schemas.openxmlformats.org/drawingml/2006/main" xmlns:r="http://schemas.openxmlformats.org/officeDocument/2006/relationships" xmlns:p="http://schemas.openxmlformats.org/presentationml/2006/main" showMasterSp="0" showMasterPhAnim="0">
+<file path=ppt/notesSlides/notesSlide3.xml><?xml version="1.0" encoding="utf-8"?>
+<p:notes xmlns:a="http://schemas.openxmlformats.org/drawingml/2006/main" xmlns:r="http://schemas.openxmlformats.org/officeDocument/2006/relationships" xmlns:p="http://schemas.openxmlformats.org/presentationml/2006/main">
   <p:cSld>
     <p:spTree>
       <p:nvGrpSpPr>
-        <p:cNvPr id="1" name="Shape 188"/>
+        <p:cNvPr id="1" name=""/>
         <p:cNvGrpSpPr/>
         <p:nvPr/>
       </p:nvGrpSpPr>
@@ -1727,7 +1727,178 @@
       </p:grpSpPr>
       <p:sp>
         <p:nvSpPr>
-          <p:cNvPr id="189" name="Google Shape;189;g59e4a52ff1_0_88:notes"/>
+          <p:cNvPr id="2" name="Slide Image Placeholder 1"/>
+          <p:cNvSpPr>
+            <a:spLocks noGrp="1" noRot="1" noChangeAspect="1"/>
+          </p:cNvSpPr>
+          <p:nvPr>
+            <p:ph type="sldImg"/>
+          </p:nvPr>
+        </p:nvSpPr>
+        <p:spPr/>
+      </p:sp>
+      <p:sp>
+        <p:nvSpPr>
+          <p:cNvPr id="3" name="Notes Placeholder 2"/>
+          <p:cNvSpPr>
+            <a:spLocks noGrp="1"/>
+          </p:cNvSpPr>
+          <p:nvPr>
+            <p:ph type="body" idx="1"/>
+          </p:nvPr>
+        </p:nvSpPr>
+        <p:spPr/>
+        <p:txBody>
+          <a:bodyPr/>
+          <a:lstStyle/>
+          <a:p>
+            <a:endParaRPr lang="en-US" dirty="0"/>
+          </a:p>
+        </p:txBody>
+      </p:sp>
+      <p:sp>
+        <p:nvSpPr>
+          <p:cNvPr id="4" name="Slide Number Placeholder 3"/>
+          <p:cNvSpPr>
+            <a:spLocks noGrp="1"/>
+          </p:cNvSpPr>
+          <p:nvPr>
+            <p:ph type="sldNum" sz="quarter" idx="5"/>
+          </p:nvPr>
+        </p:nvSpPr>
+        <p:spPr/>
+        <p:txBody>
+          <a:bodyPr/>
+          <a:lstStyle/>
+          <a:p>
+            <a:fld id="{F40F9CA8-281B-414C-8C57-A0434A679A59}" type="slidenum">
+              <a:rPr lang="en-US" smtClean="0"/>
+              <a:t>4</a:t>
+            </a:fld>
+            <a:endParaRPr lang="en-US"/>
+          </a:p>
+        </p:txBody>
+      </p:sp>
+    </p:spTree>
+    <p:extLst>
+      <p:ext uri="{BB962C8B-B14F-4D97-AF65-F5344CB8AC3E}">
+        <p14:creationId xmlns:p14="http://schemas.microsoft.com/office/powerpoint/2010/main" val="2367370285"/>
+      </p:ext>
+    </p:extLst>
+  </p:cSld>
+  <p:clrMapOvr>
+    <a:masterClrMapping/>
+  </p:clrMapOvr>
+</p:notes>
+</file>
+
+<file path=ppt/notesSlides/notesSlide4.xml><?xml version="1.0" encoding="utf-8"?>
+<p:notes xmlns:a="http://schemas.openxmlformats.org/drawingml/2006/main" xmlns:r="http://schemas.openxmlformats.org/officeDocument/2006/relationships" xmlns:p="http://schemas.openxmlformats.org/presentationml/2006/main">
+  <p:cSld>
+    <p:spTree>
+      <p:nvGrpSpPr>
+        <p:cNvPr id="1" name=""/>
+        <p:cNvGrpSpPr/>
+        <p:nvPr/>
+      </p:nvGrpSpPr>
+      <p:grpSpPr>
+        <a:xfrm>
+          <a:off x="0" y="0"/>
+          <a:ext cx="0" cy="0"/>
+          <a:chOff x="0" y="0"/>
+          <a:chExt cx="0" cy="0"/>
+        </a:xfrm>
+      </p:grpSpPr>
+      <p:sp>
+        <p:nvSpPr>
+          <p:cNvPr id="2" name="Slide Image Placeholder 1"/>
+          <p:cNvSpPr>
+            <a:spLocks noGrp="1" noRot="1" noChangeAspect="1"/>
+          </p:cNvSpPr>
+          <p:nvPr>
+            <p:ph type="sldImg"/>
+          </p:nvPr>
+        </p:nvSpPr>
+        <p:spPr/>
+      </p:sp>
+      <p:sp>
+        <p:nvSpPr>
+          <p:cNvPr id="3" name="Notes Placeholder 2"/>
+          <p:cNvSpPr>
+            <a:spLocks noGrp="1"/>
+          </p:cNvSpPr>
+          <p:nvPr>
+            <p:ph type="body" idx="1"/>
+          </p:nvPr>
+        </p:nvSpPr>
+        <p:spPr/>
+        <p:txBody>
+          <a:bodyPr/>
+          <a:lstStyle/>
+          <a:p>
+            <a:r>
+              <a:rPr lang="en-US" dirty="0"/>
+              <a:t>Bias towards the positive? Exclamation points skew positive so saying “I hated this room!!!!!!!!!!!!!!!!!” will yield a positive result </a:t>
+            </a:r>
+          </a:p>
+        </p:txBody>
+      </p:sp>
+      <p:sp>
+        <p:nvSpPr>
+          <p:cNvPr id="4" name="Slide Number Placeholder 3"/>
+          <p:cNvSpPr>
+            <a:spLocks noGrp="1"/>
+          </p:cNvSpPr>
+          <p:nvPr>
+            <p:ph type="sldNum" sz="quarter" idx="5"/>
+          </p:nvPr>
+        </p:nvSpPr>
+        <p:spPr/>
+        <p:txBody>
+          <a:bodyPr/>
+          <a:lstStyle/>
+          <a:p>
+            <a:fld id="{F40F9CA8-281B-414C-8C57-A0434A679A59}" type="slidenum">
+              <a:rPr lang="en-US" smtClean="0"/>
+              <a:t>11</a:t>
+            </a:fld>
+            <a:endParaRPr lang="en-US"/>
+          </a:p>
+        </p:txBody>
+      </p:sp>
+    </p:spTree>
+    <p:extLst>
+      <p:ext uri="{BB962C8B-B14F-4D97-AF65-F5344CB8AC3E}">
+        <p14:creationId xmlns:p14="http://schemas.microsoft.com/office/powerpoint/2010/main" val="449622941"/>
+      </p:ext>
+    </p:extLst>
+  </p:cSld>
+  <p:clrMapOvr>
+    <a:masterClrMapping/>
+  </p:clrMapOvr>
+</p:notes>
+</file>
+
+<file path=ppt/notesSlides/notesSlide5.xml><?xml version="1.0" encoding="utf-8"?>
+<p:notes xmlns:a="http://schemas.openxmlformats.org/drawingml/2006/main" xmlns:r="http://schemas.openxmlformats.org/officeDocument/2006/relationships" xmlns:p="http://schemas.openxmlformats.org/presentationml/2006/main" showMasterSp="0" showMasterPhAnim="0">
+  <p:cSld>
+    <p:spTree>
+      <p:nvGrpSpPr>
+        <p:cNvPr id="1" name="Shape 52"/>
+        <p:cNvGrpSpPr/>
+        <p:nvPr/>
+      </p:nvGrpSpPr>
+      <p:grpSpPr>
+        <a:xfrm>
+          <a:off x="0" y="0"/>
+          <a:ext cx="0" cy="0"/>
+          <a:chOff x="0" y="0"/>
+          <a:chExt cx="0" cy="0"/>
+        </a:xfrm>
+      </p:grpSpPr>
+      <p:sp>
+        <p:nvSpPr>
+          <p:cNvPr id="53" name="Google Shape;53;gc6f9544c1_0_10:notes"/>
           <p:cNvSpPr>
             <a:spLocks noGrp="1" noRot="1" noChangeAspect="1"/>
           </p:cNvSpPr>
@@ -1768,7 +1939,7 @@
       </p:sp>
       <p:sp>
         <p:nvSpPr>
-          <p:cNvPr id="190" name="Google Shape;190;g59e4a52ff1_0_88:notes"/>
+          <p:cNvPr id="54" name="Google Shape;54;gc6f9544c1_0_10:notes"/>
           <p:cNvSpPr txBox="1">
             <a:spLocks noGrp="1"/>
           </p:cNvSpPr>
@@ -1812,12 +1983,12 @@
 </p:notes>
 </file>
 
-<file path=ppt/notesSlides/notesSlide3.xml><?xml version="1.0" encoding="utf-8"?>
-<p:notes xmlns:a="http://schemas.openxmlformats.org/drawingml/2006/main" xmlns:r="http://schemas.openxmlformats.org/officeDocument/2006/relationships" xmlns:p="http://schemas.openxmlformats.org/presentationml/2006/main">
+<file path=ppt/notesSlides/notesSlide6.xml><?xml version="1.0" encoding="utf-8"?>
+<p:notes xmlns:a="http://schemas.openxmlformats.org/drawingml/2006/main" xmlns:r="http://schemas.openxmlformats.org/officeDocument/2006/relationships" xmlns:p="http://schemas.openxmlformats.org/presentationml/2006/main" showMasterSp="0" showMasterPhAnim="0">
   <p:cSld>
     <p:spTree>
       <p:nvGrpSpPr>
-        <p:cNvPr id="1" name=""/>
+        <p:cNvPr id="1" name="Shape 85"/>
         <p:cNvGrpSpPr/>
         <p:nvPr/>
       </p:nvGrpSpPr>
@@ -1831,178 +2002,7 @@
       </p:grpSpPr>
       <p:sp>
         <p:nvSpPr>
-          <p:cNvPr id="2" name="Slide Image Placeholder 1"/>
-          <p:cNvSpPr>
-            <a:spLocks noGrp="1" noRot="1" noChangeAspect="1"/>
-          </p:cNvSpPr>
-          <p:nvPr>
-            <p:ph type="sldImg"/>
-          </p:nvPr>
-        </p:nvSpPr>
-        <p:spPr/>
-      </p:sp>
-      <p:sp>
-        <p:nvSpPr>
-          <p:cNvPr id="3" name="Notes Placeholder 2"/>
-          <p:cNvSpPr>
-            <a:spLocks noGrp="1"/>
-          </p:cNvSpPr>
-          <p:nvPr>
-            <p:ph type="body" idx="1"/>
-          </p:nvPr>
-        </p:nvSpPr>
-        <p:spPr/>
-        <p:txBody>
-          <a:bodyPr/>
-          <a:lstStyle/>
-          <a:p>
-            <a:endParaRPr lang="en-US" dirty="0"/>
-          </a:p>
-        </p:txBody>
-      </p:sp>
-      <p:sp>
-        <p:nvSpPr>
-          <p:cNvPr id="4" name="Slide Number Placeholder 3"/>
-          <p:cNvSpPr>
-            <a:spLocks noGrp="1"/>
-          </p:cNvSpPr>
-          <p:nvPr>
-            <p:ph type="sldNum" sz="quarter" idx="5"/>
-          </p:nvPr>
-        </p:nvSpPr>
-        <p:spPr/>
-        <p:txBody>
-          <a:bodyPr/>
-          <a:lstStyle/>
-          <a:p>
-            <a:fld id="{F40F9CA8-281B-414C-8C57-A0434A679A59}" type="slidenum">
-              <a:rPr lang="en-US" smtClean="0"/>
-              <a:t>4</a:t>
-            </a:fld>
-            <a:endParaRPr lang="en-US"/>
-          </a:p>
-        </p:txBody>
-      </p:sp>
-    </p:spTree>
-    <p:extLst>
-      <p:ext uri="{BB962C8B-B14F-4D97-AF65-F5344CB8AC3E}">
-        <p14:creationId xmlns:p14="http://schemas.microsoft.com/office/powerpoint/2010/main" val="2367370285"/>
-      </p:ext>
-    </p:extLst>
-  </p:cSld>
-  <p:clrMapOvr>
-    <a:masterClrMapping/>
-  </p:clrMapOvr>
-</p:notes>
-</file>
-
-<file path=ppt/notesSlides/notesSlide4.xml><?xml version="1.0" encoding="utf-8"?>
-<p:notes xmlns:a="http://schemas.openxmlformats.org/drawingml/2006/main" xmlns:r="http://schemas.openxmlformats.org/officeDocument/2006/relationships" xmlns:p="http://schemas.openxmlformats.org/presentationml/2006/main">
-  <p:cSld>
-    <p:spTree>
-      <p:nvGrpSpPr>
-        <p:cNvPr id="1" name=""/>
-        <p:cNvGrpSpPr/>
-        <p:nvPr/>
-      </p:nvGrpSpPr>
-      <p:grpSpPr>
-        <a:xfrm>
-          <a:off x="0" y="0"/>
-          <a:ext cx="0" cy="0"/>
-          <a:chOff x="0" y="0"/>
-          <a:chExt cx="0" cy="0"/>
-        </a:xfrm>
-      </p:grpSpPr>
-      <p:sp>
-        <p:nvSpPr>
-          <p:cNvPr id="2" name="Slide Image Placeholder 1"/>
-          <p:cNvSpPr>
-            <a:spLocks noGrp="1" noRot="1" noChangeAspect="1"/>
-          </p:cNvSpPr>
-          <p:nvPr>
-            <p:ph type="sldImg"/>
-          </p:nvPr>
-        </p:nvSpPr>
-        <p:spPr/>
-      </p:sp>
-      <p:sp>
-        <p:nvSpPr>
-          <p:cNvPr id="3" name="Notes Placeholder 2"/>
-          <p:cNvSpPr>
-            <a:spLocks noGrp="1"/>
-          </p:cNvSpPr>
-          <p:nvPr>
-            <p:ph type="body" idx="1"/>
-          </p:nvPr>
-        </p:nvSpPr>
-        <p:spPr/>
-        <p:txBody>
-          <a:bodyPr/>
-          <a:lstStyle/>
-          <a:p>
-            <a:r>
-              <a:rPr lang="en-US" dirty="0"/>
-              <a:t>Bias towards the positive? Exclamation points skew positive so saying “I hated this room!!!!!!!!!!!!!!!!!” will yield a positive result </a:t>
-            </a:r>
-          </a:p>
-        </p:txBody>
-      </p:sp>
-      <p:sp>
-        <p:nvSpPr>
-          <p:cNvPr id="4" name="Slide Number Placeholder 3"/>
-          <p:cNvSpPr>
-            <a:spLocks noGrp="1"/>
-          </p:cNvSpPr>
-          <p:nvPr>
-            <p:ph type="sldNum" sz="quarter" idx="5"/>
-          </p:nvPr>
-        </p:nvSpPr>
-        <p:spPr/>
-        <p:txBody>
-          <a:bodyPr/>
-          <a:lstStyle/>
-          <a:p>
-            <a:fld id="{F40F9CA8-281B-414C-8C57-A0434A679A59}" type="slidenum">
-              <a:rPr lang="en-US" smtClean="0"/>
-              <a:t>11</a:t>
-            </a:fld>
-            <a:endParaRPr lang="en-US"/>
-          </a:p>
-        </p:txBody>
-      </p:sp>
-    </p:spTree>
-    <p:extLst>
-      <p:ext uri="{BB962C8B-B14F-4D97-AF65-F5344CB8AC3E}">
-        <p14:creationId xmlns:p14="http://schemas.microsoft.com/office/powerpoint/2010/main" val="449622941"/>
-      </p:ext>
-    </p:extLst>
-  </p:cSld>
-  <p:clrMapOvr>
-    <a:masterClrMapping/>
-  </p:clrMapOvr>
-</p:notes>
-</file>
-
-<file path=ppt/notesSlides/notesSlide5.xml><?xml version="1.0" encoding="utf-8"?>
-<p:notes xmlns:a="http://schemas.openxmlformats.org/drawingml/2006/main" xmlns:r="http://schemas.openxmlformats.org/officeDocument/2006/relationships" xmlns:p="http://schemas.openxmlformats.org/presentationml/2006/main" showMasterSp="0" showMasterPhAnim="0">
-  <p:cSld>
-    <p:spTree>
-      <p:nvGrpSpPr>
-        <p:cNvPr id="1" name="Shape 52"/>
-        <p:cNvGrpSpPr/>
-        <p:nvPr/>
-      </p:nvGrpSpPr>
-      <p:grpSpPr>
-        <a:xfrm>
-          <a:off x="0" y="0"/>
-          <a:ext cx="0" cy="0"/>
-          <a:chOff x="0" y="0"/>
-          <a:chExt cx="0" cy="0"/>
-        </a:xfrm>
-      </p:grpSpPr>
-      <p:sp>
-        <p:nvSpPr>
-          <p:cNvPr id="53" name="Google Shape;53;gc6f9544c1_0_10:notes"/>
+          <p:cNvPr id="86" name="Google Shape;86;g59e4a52ff1_0_0:notes"/>
           <p:cNvSpPr>
             <a:spLocks noGrp="1" noRot="1" noChangeAspect="1"/>
           </p:cNvSpPr>
@@ -2043,7 +2043,7 @@
       </p:sp>
       <p:sp>
         <p:nvSpPr>
-          <p:cNvPr id="54" name="Google Shape;54;gc6f9544c1_0_10:notes"/>
+          <p:cNvPr id="87" name="Google Shape;87;g59e4a52ff1_0_0:notes"/>
           <p:cNvSpPr txBox="1">
             <a:spLocks noGrp="1"/>
           </p:cNvSpPr>
@@ -2087,12 +2087,12 @@
 </p:notes>
 </file>
 
-<file path=ppt/notesSlides/notesSlide6.xml><?xml version="1.0" encoding="utf-8"?>
+<file path=ppt/notesSlides/notesSlide7.xml><?xml version="1.0" encoding="utf-8"?>
 <p:notes xmlns:a="http://schemas.openxmlformats.org/drawingml/2006/main" xmlns:r="http://schemas.openxmlformats.org/officeDocument/2006/relationships" xmlns:p="http://schemas.openxmlformats.org/presentationml/2006/main" showMasterSp="0" showMasterPhAnim="0">
   <p:cSld>
     <p:spTree>
       <p:nvGrpSpPr>
-        <p:cNvPr id="1" name="Shape 52"/>
+        <p:cNvPr id="1" name="Shape 91"/>
         <p:cNvGrpSpPr/>
         <p:nvPr/>
       </p:nvGrpSpPr>
@@ -2106,7 +2106,7 @@
       </p:grpSpPr>
       <p:sp>
         <p:nvSpPr>
-          <p:cNvPr id="53" name="Google Shape;53;gc6f9544c1_0_10:notes"/>
+          <p:cNvPr id="92" name="Google Shape;92;gc6f9544c1_0_36:notes"/>
           <p:cNvSpPr>
             <a:spLocks noGrp="1" noRot="1" noChangeAspect="1"/>
           </p:cNvSpPr>
@@ -2147,7 +2147,7 @@
       </p:sp>
       <p:sp>
         <p:nvSpPr>
-          <p:cNvPr id="54" name="Google Shape;54;gc6f9544c1_0_10:notes"/>
+          <p:cNvPr id="93" name="Google Shape;93;gc6f9544c1_0_36:notes"/>
           <p:cNvSpPr txBox="1">
             <a:spLocks noGrp="1"/>
           </p:cNvSpPr>
@@ -2191,12 +2191,12 @@
 </p:notes>
 </file>
 
-<file path=ppt/notesSlides/notesSlide7.xml><?xml version="1.0" encoding="utf-8"?>
+<file path=ppt/notesSlides/notesSlide8.xml><?xml version="1.0" encoding="utf-8"?>
 <p:notes xmlns:a="http://schemas.openxmlformats.org/drawingml/2006/main" xmlns:r="http://schemas.openxmlformats.org/officeDocument/2006/relationships" xmlns:p="http://schemas.openxmlformats.org/presentationml/2006/main" showMasterSp="0" showMasterPhAnim="0">
   <p:cSld>
     <p:spTree>
       <p:nvGrpSpPr>
-        <p:cNvPr id="1" name="Shape 85"/>
+        <p:cNvPr id="1" name="Shape 99"/>
         <p:cNvGrpSpPr/>
         <p:nvPr/>
       </p:nvGrpSpPr>
@@ -2210,7 +2210,7 @@
       </p:grpSpPr>
       <p:sp>
         <p:nvSpPr>
-          <p:cNvPr id="86" name="Google Shape;86;g59e4a52ff1_0_0:notes"/>
+          <p:cNvPr id="100" name="Google Shape;100;g59e4a52ff1_0_8:notes"/>
           <p:cNvSpPr>
             <a:spLocks noGrp="1" noRot="1" noChangeAspect="1"/>
           </p:cNvSpPr>
@@ -2251,7 +2251,7 @@
       </p:sp>
       <p:sp>
         <p:nvSpPr>
-          <p:cNvPr id="87" name="Google Shape;87;g59e4a52ff1_0_0:notes"/>
+          <p:cNvPr id="101" name="Google Shape;101;g59e4a52ff1_0_8:notes"/>
           <p:cNvSpPr txBox="1">
             <a:spLocks noGrp="1"/>
           </p:cNvSpPr>
@@ -2295,12 +2295,12 @@
 </p:notes>
 </file>
 
-<file path=ppt/notesSlides/notesSlide8.xml><?xml version="1.0" encoding="utf-8"?>
+<file path=ppt/notesSlides/notesSlide9.xml><?xml version="1.0" encoding="utf-8"?>
 <p:notes xmlns:a="http://schemas.openxmlformats.org/drawingml/2006/main" xmlns:r="http://schemas.openxmlformats.org/officeDocument/2006/relationships" xmlns:p="http://schemas.openxmlformats.org/presentationml/2006/main" showMasterSp="0" showMasterPhAnim="0">
   <p:cSld>
     <p:spTree>
       <p:nvGrpSpPr>
-        <p:cNvPr id="1" name="Shape 91"/>
+        <p:cNvPr id="1" name="Shape 105"/>
         <p:cNvGrpSpPr/>
         <p:nvPr/>
       </p:nvGrpSpPr>
@@ -2314,7 +2314,7 @@
       </p:grpSpPr>
       <p:sp>
         <p:nvSpPr>
-          <p:cNvPr id="92" name="Google Shape;92;gc6f9544c1_0_36:notes"/>
+          <p:cNvPr id="106" name="Google Shape;106;g59e4a52ff1_0_55:notes"/>
           <p:cNvSpPr>
             <a:spLocks noGrp="1" noRot="1" noChangeAspect="1"/>
           </p:cNvSpPr>
@@ -2355,111 +2355,7 @@
       </p:sp>
       <p:sp>
         <p:nvSpPr>
-          <p:cNvPr id="93" name="Google Shape;93;gc6f9544c1_0_36:notes"/>
-          <p:cNvSpPr txBox="1">
-            <a:spLocks noGrp="1"/>
-          </p:cNvSpPr>
-          <p:nvPr>
-            <p:ph type="body" idx="1"/>
-          </p:nvPr>
-        </p:nvSpPr>
-        <p:spPr>
-          <a:xfrm>
-            <a:off x="685800" y="4343400"/>
-            <a:ext cx="5486400" cy="4114800"/>
-          </a:xfrm>
-          <a:prstGeom prst="rect">
-            <a:avLst/>
-          </a:prstGeom>
-        </p:spPr>
-        <p:txBody>
-          <a:bodyPr spcFirstLastPara="1" wrap="square" lIns="91425" tIns="91425" rIns="91425" bIns="91425" anchor="t" anchorCtr="0">
-            <a:noAutofit/>
-          </a:bodyPr>
-          <a:lstStyle/>
-          <a:p>
-            <a:pPr marL="0" lvl="0" indent="0" algn="l" rtl="0">
-              <a:spcBef>
-                <a:spcPts val="0"/>
-              </a:spcBef>
-              <a:spcAft>
-                <a:spcPts val="0"/>
-              </a:spcAft>
-              <a:buNone/>
-            </a:pPr>
-            <a:endParaRPr/>
-          </a:p>
-        </p:txBody>
-      </p:sp>
-    </p:spTree>
-  </p:cSld>
-  <p:clrMapOvr>
-    <a:masterClrMapping/>
-  </p:clrMapOvr>
-</p:notes>
-</file>
-
-<file path=ppt/notesSlides/notesSlide9.xml><?xml version="1.0" encoding="utf-8"?>
-<p:notes xmlns:a="http://schemas.openxmlformats.org/drawingml/2006/main" xmlns:r="http://schemas.openxmlformats.org/officeDocument/2006/relationships" xmlns:p="http://schemas.openxmlformats.org/presentationml/2006/main" showMasterSp="0" showMasterPhAnim="0">
-  <p:cSld>
-    <p:spTree>
-      <p:nvGrpSpPr>
-        <p:cNvPr id="1" name="Shape 99"/>
-        <p:cNvGrpSpPr/>
-        <p:nvPr/>
-      </p:nvGrpSpPr>
-      <p:grpSpPr>
-        <a:xfrm>
-          <a:off x="0" y="0"/>
-          <a:ext cx="0" cy="0"/>
-          <a:chOff x="0" y="0"/>
-          <a:chExt cx="0" cy="0"/>
-        </a:xfrm>
-      </p:grpSpPr>
-      <p:sp>
-        <p:nvSpPr>
-          <p:cNvPr id="100" name="Google Shape;100;g59e4a52ff1_0_8:notes"/>
-          <p:cNvSpPr>
-            <a:spLocks noGrp="1" noRot="1" noChangeAspect="1"/>
-          </p:cNvSpPr>
-          <p:nvPr>
-            <p:ph type="sldImg" idx="2"/>
-          </p:nvPr>
-        </p:nvSpPr>
-        <p:spPr>
-          <a:xfrm>
-            <a:off x="381000" y="685800"/>
-            <a:ext cx="6096000" cy="3429000"/>
-          </a:xfrm>
-          <a:custGeom>
-            <a:avLst/>
-            <a:gdLst/>
-            <a:ahLst/>
-            <a:cxnLst/>
-            <a:rect l="l" t="t" r="r" b="b"/>
-            <a:pathLst>
-              <a:path w="120000" h="120000" extrusionOk="0">
-                <a:moveTo>
-                  <a:pt x="0" y="0"/>
-                </a:moveTo>
-                <a:lnTo>
-                  <a:pt x="120000" y="0"/>
-                </a:lnTo>
-                <a:lnTo>
-                  <a:pt x="120000" y="120000"/>
-                </a:lnTo>
-                <a:lnTo>
-                  <a:pt x="0" y="120000"/>
-                </a:lnTo>
-                <a:close/>
-              </a:path>
-            </a:pathLst>
-          </a:custGeom>
-        </p:spPr>
-      </p:sp>
-      <p:sp>
-        <p:nvSpPr>
-          <p:cNvPr id="101" name="Google Shape;101;g59e4a52ff1_0_8:notes"/>
+          <p:cNvPr id="107" name="Google Shape;107;g59e4a52ff1_0_55:notes"/>
           <p:cNvSpPr txBox="1">
             <a:spLocks noGrp="1"/>
           </p:cNvSpPr>
@@ -10774,7 +10670,7 @@
           <p:cNvPr id="2" name="Title 1">
             <a:extLst>
               <a:ext uri="{FF2B5EF4-FFF2-40B4-BE49-F238E27FC236}">
-                <a16:creationId xmlns:a16="http://schemas.microsoft.com/office/drawing/2014/main" xmlns="" id="{7D2293AF-2B57-4AAB-BD9B-2DE24890E845}"/>
+                <a16:creationId xmlns="" xmlns:a16="http://schemas.microsoft.com/office/drawing/2014/main" id="{7D2293AF-2B57-4AAB-BD9B-2DE24890E845}"/>
               </a:ext>
             </a:extLst>
           </p:cNvPr>
@@ -10809,7 +10705,7 @@
           <p:cNvPr id="3" name="Subtitle 2">
             <a:extLst>
               <a:ext uri="{FF2B5EF4-FFF2-40B4-BE49-F238E27FC236}">
-                <a16:creationId xmlns:a16="http://schemas.microsoft.com/office/drawing/2014/main" xmlns="" id="{63B63A39-FEB1-4800-B2D1-759114B196D9}"/>
+                <a16:creationId xmlns="" xmlns:a16="http://schemas.microsoft.com/office/drawing/2014/main" id="{63B63A39-FEB1-4800-B2D1-759114B196D9}"/>
               </a:ext>
             </a:extLst>
           </p:cNvPr>
@@ -10867,7 +10763,7 @@
           <p:cNvPr id="2" name="Title 1">
             <a:extLst>
               <a:ext uri="{FF2B5EF4-FFF2-40B4-BE49-F238E27FC236}">
-                <a16:creationId xmlns:a16="http://schemas.microsoft.com/office/drawing/2014/main" xmlns="" id="{FCDFB45F-0E49-47E3-B196-E290663EF928}"/>
+                <a16:creationId xmlns="" xmlns:a16="http://schemas.microsoft.com/office/drawing/2014/main" id="{FCDFB45F-0E49-47E3-B196-E290663EF928}"/>
               </a:ext>
             </a:extLst>
           </p:cNvPr>
@@ -10909,7 +10805,7 @@
           <p:cNvPr id="3" name="Content Placeholder 2">
             <a:extLst>
               <a:ext uri="{FF2B5EF4-FFF2-40B4-BE49-F238E27FC236}">
-                <a16:creationId xmlns:a16="http://schemas.microsoft.com/office/drawing/2014/main" xmlns="" id="{F201BA7C-0094-4C95-B16E-46EF5D3E42E8}"/>
+                <a16:creationId xmlns="" xmlns:a16="http://schemas.microsoft.com/office/drawing/2014/main" id="{F201BA7C-0094-4C95-B16E-46EF5D3E42E8}"/>
               </a:ext>
             </a:extLst>
           </p:cNvPr>
@@ -11084,7 +10980,7 @@
           <p:cNvPr id="2" name="Title 1">
             <a:extLst>
               <a:ext uri="{FF2B5EF4-FFF2-40B4-BE49-F238E27FC236}">
-                <a16:creationId xmlns:a16="http://schemas.microsoft.com/office/drawing/2014/main" xmlns="" id="{FCDFB45F-0E49-47E3-B196-E290663EF928}"/>
+                <a16:creationId xmlns="" xmlns:a16="http://schemas.microsoft.com/office/drawing/2014/main" id="{FCDFB45F-0E49-47E3-B196-E290663EF928}"/>
               </a:ext>
             </a:extLst>
           </p:cNvPr>
@@ -11126,7 +11022,7 @@
           <p:cNvPr id="3" name="Content Placeholder 2">
             <a:extLst>
               <a:ext uri="{FF2B5EF4-FFF2-40B4-BE49-F238E27FC236}">
-                <a16:creationId xmlns:a16="http://schemas.microsoft.com/office/drawing/2014/main" xmlns="" id="{F201BA7C-0094-4C95-B16E-46EF5D3E42E8}"/>
+                <a16:creationId xmlns="" xmlns:a16="http://schemas.microsoft.com/office/drawing/2014/main" id="{F201BA7C-0094-4C95-B16E-46EF5D3E42E8}"/>
               </a:ext>
             </a:extLst>
           </p:cNvPr>
@@ -11250,10 +11146,10 @@
           <p:cNvPr id="10" name="Rectangle 9">
             <a:extLst>
               <a:ext uri="{FF2B5EF4-FFF2-40B4-BE49-F238E27FC236}">
-                <a16:creationId xmlns:a16="http://schemas.microsoft.com/office/drawing/2014/main" xmlns="" id="{B192E7EA-5B03-420C-B4C4-2CDF8AFF971E}"/>
+                <a16:creationId xmlns="" xmlns:a16="http://schemas.microsoft.com/office/drawing/2014/main" id="{B192E7EA-5B03-420C-B4C4-2CDF8AFF971E}"/>
               </a:ext>
               <a:ext uri="{C183D7F6-B498-43B3-948B-1728B52AA6E4}">
-                <adec:decorative xmlns:adec="http://schemas.microsoft.com/office/drawing/2017/decorative" xmlns="" val="1"/>
+                <adec:decorative xmlns="" xmlns:adec="http://schemas.microsoft.com/office/drawing/2017/decorative" val="1"/>
               </a:ext>
             </a:extLst>
           </p:cNvPr>
@@ -11263,7 +11159,7 @@
           <p:nvPr>
             <p:extLst>
               <p:ext uri="{386F3935-93C4-4BCD-93E2-E3B085C9AB24}">
-                <p16:designElem xmlns:p16="http://schemas.microsoft.com/office/powerpoint/2015/main" xmlns="" val="1"/>
+                <p16:designElem xmlns="" xmlns:p16="http://schemas.microsoft.com/office/powerpoint/2015/main" val="1"/>
               </p:ext>
             </p:extLst>
           </p:nvPr>
@@ -11313,10 +11209,10 @@
           <p:cNvPr id="12" name="Rectangle 11">
             <a:extLst>
               <a:ext uri="{FF2B5EF4-FFF2-40B4-BE49-F238E27FC236}">
-                <a16:creationId xmlns:a16="http://schemas.microsoft.com/office/drawing/2014/main" xmlns="" id="{F3F7E4C3-BCCD-45DD-A83B-0960D4ECB6F9}"/>
+                <a16:creationId xmlns="" xmlns:a16="http://schemas.microsoft.com/office/drawing/2014/main" id="{F3F7E4C3-BCCD-45DD-A83B-0960D4ECB6F9}"/>
               </a:ext>
               <a:ext uri="{C183D7F6-B498-43B3-948B-1728B52AA6E4}">
-                <adec:decorative xmlns:adec="http://schemas.microsoft.com/office/drawing/2017/decorative" xmlns="" val="1"/>
+                <adec:decorative xmlns="" xmlns:adec="http://schemas.microsoft.com/office/drawing/2017/decorative" val="1"/>
               </a:ext>
             </a:extLst>
           </p:cNvPr>
@@ -11326,7 +11222,7 @@
           <p:nvPr>
             <p:extLst>
               <p:ext uri="{386F3935-93C4-4BCD-93E2-E3B085C9AB24}">
-                <p16:designElem xmlns:p16="http://schemas.microsoft.com/office/powerpoint/2015/main" xmlns="" val="1"/>
+                <p16:designElem xmlns="" xmlns:p16="http://schemas.microsoft.com/office/powerpoint/2015/main" val="1"/>
               </p:ext>
             </p:extLst>
           </p:nvPr>
@@ -11383,7 +11279,7 @@
           <p:cNvPr id="5" name="Content Placeholder 4" descr="A screenshot of a cell phone&#10;&#10;Description generated with very high confidence">
             <a:extLst>
               <a:ext uri="{FF2B5EF4-FFF2-40B4-BE49-F238E27FC236}">
-                <a16:creationId xmlns:a16="http://schemas.microsoft.com/office/drawing/2014/main" xmlns="" id="{4724F86B-0EF9-46E3-9045-5A1919FD358D}"/>
+                <a16:creationId xmlns="" xmlns:a16="http://schemas.microsoft.com/office/drawing/2014/main" id="{4724F86B-0EF9-46E3-9045-5A1919FD358D}"/>
               </a:ext>
             </a:extLst>
           </p:cNvPr>
@@ -11453,10 +11349,10 @@
           <p:cNvPr id="10" name="Rectangle 9">
             <a:extLst>
               <a:ext uri="{FF2B5EF4-FFF2-40B4-BE49-F238E27FC236}">
-                <a16:creationId xmlns:a16="http://schemas.microsoft.com/office/drawing/2014/main" xmlns="" id="{B192E7EA-5B03-420C-B4C4-2CDF8AFF971E}"/>
+                <a16:creationId xmlns="" xmlns:a16="http://schemas.microsoft.com/office/drawing/2014/main" id="{B192E7EA-5B03-420C-B4C4-2CDF8AFF971E}"/>
               </a:ext>
               <a:ext uri="{C183D7F6-B498-43B3-948B-1728B52AA6E4}">
-                <adec:decorative xmlns:adec="http://schemas.microsoft.com/office/drawing/2017/decorative" xmlns="" val="1"/>
+                <adec:decorative xmlns="" xmlns:adec="http://schemas.microsoft.com/office/drawing/2017/decorative" val="1"/>
               </a:ext>
             </a:extLst>
           </p:cNvPr>
@@ -11466,7 +11362,7 @@
           <p:nvPr>
             <p:extLst>
               <p:ext uri="{386F3935-93C4-4BCD-93E2-E3B085C9AB24}">
-                <p16:designElem xmlns:p16="http://schemas.microsoft.com/office/powerpoint/2015/main" xmlns="" val="1"/>
+                <p16:designElem xmlns="" xmlns:p16="http://schemas.microsoft.com/office/powerpoint/2015/main" val="1"/>
               </p:ext>
             </p:extLst>
           </p:nvPr>
@@ -11516,10 +11412,10 @@
           <p:cNvPr id="12" name="Rectangle 11">
             <a:extLst>
               <a:ext uri="{FF2B5EF4-FFF2-40B4-BE49-F238E27FC236}">
-                <a16:creationId xmlns:a16="http://schemas.microsoft.com/office/drawing/2014/main" xmlns="" id="{F3F7E4C3-BCCD-45DD-A83B-0960D4ECB6F9}"/>
+                <a16:creationId xmlns="" xmlns:a16="http://schemas.microsoft.com/office/drawing/2014/main" id="{F3F7E4C3-BCCD-45DD-A83B-0960D4ECB6F9}"/>
               </a:ext>
               <a:ext uri="{C183D7F6-B498-43B3-948B-1728B52AA6E4}">
-                <adec:decorative xmlns:adec="http://schemas.microsoft.com/office/drawing/2017/decorative" xmlns="" val="1"/>
+                <adec:decorative xmlns="" xmlns:adec="http://schemas.microsoft.com/office/drawing/2017/decorative" val="1"/>
               </a:ext>
             </a:extLst>
           </p:cNvPr>
@@ -11529,7 +11425,7 @@
           <p:nvPr>
             <p:extLst>
               <p:ext uri="{386F3935-93C4-4BCD-93E2-E3B085C9AB24}">
-                <p16:designElem xmlns:p16="http://schemas.microsoft.com/office/powerpoint/2015/main" xmlns="" val="1"/>
+                <p16:designElem xmlns="" xmlns:p16="http://schemas.microsoft.com/office/powerpoint/2015/main" val="1"/>
               </p:ext>
             </p:extLst>
           </p:nvPr>
@@ -11586,7 +11482,7 @@
           <p:cNvPr id="5" name="Picture 4" descr="A screenshot of a cell phone&#10;&#10;Description generated with very high confidence">
             <a:extLst>
               <a:ext uri="{FF2B5EF4-FFF2-40B4-BE49-F238E27FC236}">
-                <a16:creationId xmlns:a16="http://schemas.microsoft.com/office/drawing/2014/main" xmlns="" id="{0DE4465C-1B91-4018-B54B-4862823C9D66}"/>
+                <a16:creationId xmlns="" xmlns:a16="http://schemas.microsoft.com/office/drawing/2014/main" id="{0DE4465C-1B91-4018-B54B-4862823C9D66}"/>
               </a:ext>
             </a:extLst>
           </p:cNvPr>
@@ -11646,7 +11542,7 @@
           <p:cNvPr id="2" name="Title 1">
             <a:extLst>
               <a:ext uri="{FF2B5EF4-FFF2-40B4-BE49-F238E27FC236}">
-                <a16:creationId xmlns:a16="http://schemas.microsoft.com/office/drawing/2014/main" xmlns="" id="{FCDFB45F-0E49-47E3-B196-E290663EF928}"/>
+                <a16:creationId xmlns="" xmlns:a16="http://schemas.microsoft.com/office/drawing/2014/main" id="{FCDFB45F-0E49-47E3-B196-E290663EF928}"/>
               </a:ext>
             </a:extLst>
           </p:cNvPr>
@@ -11688,7 +11584,7 @@
           <p:cNvPr id="4" name="Text Placeholder 3">
             <a:extLst>
               <a:ext uri="{FF2B5EF4-FFF2-40B4-BE49-F238E27FC236}">
-                <a16:creationId xmlns:a16="http://schemas.microsoft.com/office/drawing/2014/main" xmlns="" id="{DD7E1A2E-B59F-44C3-85C5-B5E3A455F876}"/>
+                <a16:creationId xmlns="" xmlns:a16="http://schemas.microsoft.com/office/drawing/2014/main" id="{DD7E1A2E-B59F-44C3-85C5-B5E3A455F876}"/>
               </a:ext>
             </a:extLst>
           </p:cNvPr>
@@ -11870,17 +11766,9 @@
 <file path=ppt/slides/slide16.xml><?xml version="1.0" encoding="utf-8"?>
 <p:sld xmlns:a="http://schemas.openxmlformats.org/drawingml/2006/main" xmlns:r="http://schemas.openxmlformats.org/officeDocument/2006/relationships" xmlns:p="http://schemas.openxmlformats.org/presentationml/2006/main">
   <p:cSld>
-    <p:bg>
-      <p:bgPr>
-        <a:solidFill>
-          <a:schemeClr val="lt1"/>
-        </a:solidFill>
-        <a:effectLst/>
-      </p:bgPr>
-    </p:bg>
     <p:spTree>
       <p:nvGrpSpPr>
-        <p:cNvPr id="1" name="Shape 55"/>
+        <p:cNvPr id="1" name=""/>
         <p:cNvGrpSpPr/>
         <p:nvPr/>
       </p:nvGrpSpPr>
@@ -11894,8 +11782,14 @@
       </p:grpSpPr>
       <p:sp>
         <p:nvSpPr>
-          <p:cNvPr id="56" name="Google Shape;56;p13"/>
-          <p:cNvSpPr txBox="1">
+          <p:cNvPr id="2" name="Title 1">
+            <a:extLst>
+              <a:ext uri="{FF2B5EF4-FFF2-40B4-BE49-F238E27FC236}">
+                <a16:creationId xmlns="" xmlns:a16="http://schemas.microsoft.com/office/drawing/2014/main" id="{FCDFB45F-0E49-47E3-B196-E290663EF928}"/>
+              </a:ext>
+            </a:extLst>
+          </p:cNvPr>
+          <p:cNvSpPr>
             <a:spLocks noGrp="1"/>
           </p:cNvSpPr>
           <p:nvPr>
@@ -11904,127 +11798,119 @@
         </p:nvSpPr>
         <p:spPr>
           <a:xfrm>
-            <a:off x="354000" y="2238200"/>
-            <a:ext cx="5393600" cy="2381600"/>
+            <a:off x="3296540" y="592509"/>
+            <a:ext cx="4172484" cy="1356360"/>
           </a:xfrm>
-          <a:prstGeom prst="rect">
-            <a:avLst/>
-          </a:prstGeom>
         </p:spPr>
         <p:txBody>
-          <a:bodyPr spcFirstLastPara="1" wrap="square" lIns="121894" tIns="121894" rIns="121894" bIns="121894" anchor="ctr" anchorCtr="0">
+          <a:bodyPr/>
+          <a:lstStyle/>
+          <a:p>
+            <a:r>
+              <a:rPr lang="en-US" sz="7200" b="1" cap="all" dirty="0" smtClean="0">
+                <a:ln w="15875">
+                  <a:solidFill>
+                    <a:sysClr val="window" lastClr="FFFFFF"/>
+                  </a:solidFill>
+                </a:ln>
+                <a:effectLst>
+                  <a:outerShdw dist="38100" dir="2700000" algn="tl" rotWithShape="0">
+                    <a:srgbClr val="DF5327"/>
+                  </a:outerShdw>
+                </a:effectLst>
+                <a:ea typeface="+mn-ea"/>
+                <a:cs typeface="+mn-cs"/>
+              </a:rPr>
+              <a:t>Process</a:t>
+            </a:r>
+            <a:endParaRPr lang="en-US" dirty="0"/>
+          </a:p>
+        </p:txBody>
+      </p:sp>
+      <p:sp>
+        <p:nvSpPr>
+          <p:cNvPr id="3" name="Content Placeholder 2">
+            <a:extLst>
+              <a:ext uri="{FF2B5EF4-FFF2-40B4-BE49-F238E27FC236}">
+                <a16:creationId xmlns="" xmlns:a16="http://schemas.microsoft.com/office/drawing/2014/main" id="{F201BA7C-0094-4C95-B16E-46EF5D3E42E8}"/>
+              </a:ext>
+            </a:extLst>
+          </p:cNvPr>
+          <p:cNvSpPr>
+            <a:spLocks noGrp="1"/>
+          </p:cNvSpPr>
+          <p:nvPr>
+            <p:ph idx="1"/>
+          </p:nvPr>
+        </p:nvSpPr>
+        <p:spPr>
+          <a:xfrm>
+            <a:off x="2971801" y="2142858"/>
+            <a:ext cx="5155250" cy="4038600"/>
+          </a:xfrm>
+        </p:spPr>
+        <p:txBody>
+          <a:bodyPr>
             <a:noAutofit/>
           </a:bodyPr>
           <a:lstStyle/>
           <a:p>
-            <a:r>
-              <a:rPr lang="en-US" dirty="0" smtClean="0"/>
-              <a:t>Process</a:t>
-            </a:r>
-            <a:endParaRPr dirty="0"/>
-          </a:p>
-        </p:txBody>
-      </p:sp>
-      <p:sp>
-        <p:nvSpPr>
-          <p:cNvPr id="57" name="Google Shape;57;p13"/>
-          <p:cNvSpPr txBox="1">
-            <a:spLocks noGrp="1"/>
-          </p:cNvSpPr>
-          <p:nvPr>
-            <p:ph type="body" idx="2"/>
-          </p:nvPr>
-        </p:nvSpPr>
-        <p:spPr>
-          <a:xfrm>
-            <a:off x="7041735" y="1920333"/>
-            <a:ext cx="4460903" cy="3489600"/>
-          </a:xfrm>
-          <a:prstGeom prst="rect">
-            <a:avLst/>
-          </a:prstGeom>
-        </p:spPr>
-        <p:txBody>
-          <a:bodyPr spcFirstLastPara="1" wrap="square" lIns="121894" tIns="121894" rIns="121894" bIns="121894" anchor="ctr" anchorCtr="0">
-            <a:noAutofit/>
-          </a:bodyPr>
-          <a:lstStyle/>
-          <a:p>
-            <a:pPr indent="-482576">
+            <a:pPr indent="-482588">
               <a:buSzPts val="2100"/>
             </a:pPr>
-            <a:endParaRPr lang="en" sz="2800" dirty="0" smtClean="0"/>
-          </a:p>
-          <a:p>
-            <a:pPr indent="-482576">
+            <a:r>
+              <a:rPr lang="en-US" sz="2400" dirty="0" smtClean="0"/>
+              <a:t>Analysis</a:t>
+            </a:r>
+            <a:endParaRPr lang="en-US" sz="2400" dirty="0"/>
+          </a:p>
+          <a:p>
+            <a:pPr indent="-482588">
               <a:buSzPts val="2100"/>
             </a:pPr>
             <a:r>
-              <a:rPr lang="en" sz="2800" dirty="0" smtClean="0"/>
-              <a:t>Use Machine Learing</a:t>
-            </a:r>
-          </a:p>
-          <a:p>
-            <a:pPr indent="-482576">
+              <a:rPr lang="en-US" sz="2400" dirty="0" smtClean="0"/>
+              <a:t>Pre-preprocessing</a:t>
+            </a:r>
+            <a:endParaRPr lang="en-US" sz="2400" dirty="0" smtClean="0"/>
+          </a:p>
+          <a:p>
+            <a:pPr indent="-482588">
               <a:buSzPts val="2100"/>
             </a:pPr>
             <a:r>
-              <a:rPr lang="en-US" sz="2800" dirty="0"/>
-              <a:t>Analysis</a:t>
-            </a:r>
-          </a:p>
-          <a:p>
-            <a:pPr indent="-482576">
+              <a:rPr lang="en-US" sz="2400" dirty="0" smtClean="0"/>
+              <a:t>Model train &amp; test</a:t>
+            </a:r>
+            <a:endParaRPr lang="en-US" dirty="0"/>
+          </a:p>
+          <a:p>
+            <a:pPr indent="-482588">
               <a:buSzPts val="2100"/>
             </a:pPr>
             <a:r>
-              <a:rPr lang="en-US" sz="2800" dirty="0" smtClean="0"/>
-              <a:t>Pre-processing</a:t>
-            </a:r>
-            <a:endParaRPr sz="2800" dirty="0"/>
-          </a:p>
-          <a:p>
-            <a:pPr indent="-482576">
-              <a:buSzPts val="2100"/>
-            </a:pPr>
-            <a:r>
-              <a:rPr lang="en" sz="2800" dirty="0" smtClean="0"/>
-              <a:t>Model </a:t>
-            </a:r>
-            <a:r>
-              <a:rPr lang="en" sz="2800" dirty="0"/>
-              <a:t>testing</a:t>
-            </a:r>
-            <a:endParaRPr sz="2800" dirty="0"/>
-          </a:p>
-          <a:p>
-            <a:pPr indent="-482576">
-              <a:buSzPts val="2100"/>
-            </a:pPr>
-            <a:r>
-              <a:rPr lang="en" sz="2800" dirty="0"/>
-              <a:t>Implementing</a:t>
-            </a:r>
-            <a:endParaRPr sz="2800" dirty="0"/>
-          </a:p>
-          <a:p>
-            <a:pPr indent="0">
-              <a:spcBef>
-                <a:spcPts val="2133"/>
-              </a:spcBef>
-              <a:spcAft>
-                <a:spcPts val="2133"/>
-              </a:spcAft>
-              <a:buNone/>
-            </a:pPr>
-            <a:endParaRPr sz="2800" dirty="0"/>
+              <a:rPr lang="en-US" dirty="0" smtClean="0"/>
+              <a:t>Implement with deployed </a:t>
+            </a:r>
+            <a:r>
+              <a:rPr lang="en-US" dirty="0" err="1" smtClean="0"/>
+              <a:t>Heroku</a:t>
+            </a:r>
+            <a:r>
+              <a:rPr lang="en-US" dirty="0" smtClean="0"/>
+              <a:t> app</a:t>
+            </a:r>
+            <a:r>
+              <a:rPr lang="en-US" dirty="0" smtClean="0"/>
+              <a:t>			</a:t>
+            </a:r>
           </a:p>
         </p:txBody>
       </p:sp>
     </p:spTree>
     <p:extLst>
       <p:ext uri="{BB962C8B-B14F-4D97-AF65-F5344CB8AC3E}">
-        <p14:creationId xmlns:p14="http://schemas.microsoft.com/office/powerpoint/2010/main" val="1505997663"/>
+        <p14:creationId xmlns:p14="http://schemas.microsoft.com/office/powerpoint/2010/main" val="3328968066"/>
       </p:ext>
     </p:extLst>
   </p:cSld>
@@ -12274,9 +12160,9 @@
           </p:nvPr>
         </p:nvSpPr>
         <p:spPr>
-          <a:xfrm rot="-232485">
-            <a:off x="76749" y="5571249"/>
-            <a:ext cx="4421708" cy="1007497"/>
+          <a:xfrm>
+            <a:off x="1634312" y="5854932"/>
+            <a:ext cx="3123627" cy="898557"/>
           </a:xfrm>
           <a:prstGeom prst="rect">
             <a:avLst/>
@@ -12289,10 +12175,14 @@
           <a:lstStyle/>
           <a:p>
             <a:r>
-              <a:rPr lang="en"/>
-              <a:t>No Correlation!!</a:t>
-            </a:r>
-            <a:endParaRPr/>
+              <a:rPr lang="en" dirty="0" smtClean="0"/>
+              <a:t>Minimal Correlation</a:t>
+            </a:r>
+            <a:r>
+              <a:rPr lang="en" dirty="0"/>
+              <a:t>!!</a:t>
+            </a:r>
+            <a:endParaRPr dirty="0"/>
           </a:p>
         </p:txBody>
       </p:sp>
@@ -12330,7 +12220,11 @@
             </a:r>
             <a:r>
               <a:rPr lang="en" sz="2800" dirty="0" smtClean="0"/>
-              <a:t>distance to Bourbon St</a:t>
+              <a:t>closer </a:t>
+            </a:r>
+            <a:r>
+              <a:rPr lang="en" sz="2800" dirty="0" smtClean="0"/>
+              <a:t>to Bourbon St</a:t>
             </a:r>
             <a:endParaRPr sz="2800" dirty="0"/>
           </a:p>
@@ -12339,8 +12233,16 @@
               <a:buSzPts val="2100"/>
             </a:pPr>
             <a:r>
+              <a:rPr lang="en" sz="2800" dirty="0" smtClean="0"/>
+              <a:t>The least AND most expensive </a:t>
+            </a:r>
+            <a:r>
               <a:rPr lang="en" sz="2800" dirty="0"/>
-              <a:t>The most expensive rentals were furthest</a:t>
+              <a:t>rentals were </a:t>
+            </a:r>
+            <a:r>
+              <a:rPr lang="en-US" sz="2800" dirty="0" smtClean="0"/>
+              <a:t>closest</a:t>
             </a:r>
             <a:endParaRPr sz="2800" dirty="0"/>
           </a:p>
@@ -12349,8 +12251,12 @@
               <a:buSzPts val="2100"/>
             </a:pPr>
             <a:r>
+              <a:rPr lang="en" sz="2800" dirty="0" smtClean="0"/>
+              <a:t>More </a:t>
+            </a:r>
+            <a:r>
               <a:rPr lang="en" sz="2800" dirty="0"/>
-              <a:t>The cheapest were closest</a:t>
+              <a:t>availability </a:t>
             </a:r>
             <a:endParaRPr sz="2800" dirty="0"/>
           </a:p>
@@ -12360,30 +12266,12 @@
             </a:pPr>
             <a:r>
               <a:rPr lang="en" sz="2800" dirty="0"/>
-              <a:t>More availability </a:t>
-            </a:r>
-            <a:endParaRPr sz="2800" dirty="0"/>
-          </a:p>
-          <a:p>
-            <a:pPr indent="-482588">
-              <a:buSzPts val="2100"/>
-            </a:pPr>
-            <a:r>
-              <a:rPr lang="en" sz="2800" dirty="0"/>
-              <a:t>Supply could be driving pricing</a:t>
-            </a:r>
-            <a:endParaRPr sz="2800" dirty="0"/>
-          </a:p>
-          <a:p>
-            <a:pPr indent="0">
-              <a:spcBef>
-                <a:spcPts val="2133"/>
-              </a:spcBef>
-              <a:spcAft>
-                <a:spcPts val="2133"/>
-              </a:spcAft>
-              <a:buNone/>
-            </a:pPr>
+              <a:t>Supply could be driving </a:t>
+            </a:r>
+            <a:r>
+              <a:rPr lang="en" sz="2800" dirty="0" smtClean="0"/>
+              <a:t>pricing</a:t>
+            </a:r>
             <a:endParaRPr sz="2800" dirty="0"/>
           </a:p>
         </p:txBody>
@@ -12423,7 +12311,7 @@
           <p:cNvPr id="2" name="Title 1">
             <a:extLst>
               <a:ext uri="{FF2B5EF4-FFF2-40B4-BE49-F238E27FC236}">
-                <a16:creationId xmlns:a16="http://schemas.microsoft.com/office/drawing/2014/main" xmlns="" id="{FCDFB45F-0E49-47E3-B196-E290663EF928}"/>
+                <a16:creationId xmlns="" xmlns:a16="http://schemas.microsoft.com/office/drawing/2014/main" id="{FCDFB45F-0E49-47E3-B196-E290663EF928}"/>
               </a:ext>
             </a:extLst>
           </p:cNvPr>
@@ -12465,7 +12353,7 @@
           <p:cNvPr id="3" name="Content Placeholder 2">
             <a:extLst>
               <a:ext uri="{FF2B5EF4-FFF2-40B4-BE49-F238E27FC236}">
-                <a16:creationId xmlns:a16="http://schemas.microsoft.com/office/drawing/2014/main" xmlns="" id="{F201BA7C-0094-4C95-B16E-46EF5D3E42E8}"/>
+                <a16:creationId xmlns="" xmlns:a16="http://schemas.microsoft.com/office/drawing/2014/main" id="{F201BA7C-0094-4C95-B16E-46EF5D3E42E8}"/>
               </a:ext>
             </a:extLst>
           </p:cNvPr>
@@ -12605,7 +12493,7 @@
           <p:cNvPr id="10" name="Title 1">
             <a:extLst>
               <a:ext uri="{FF2B5EF4-FFF2-40B4-BE49-F238E27FC236}">
-                <a16:creationId xmlns:a16="http://schemas.microsoft.com/office/drawing/2014/main" xmlns="" id="{D4579814-60F3-40BC-ADEF-12F974DD2796}"/>
+                <a16:creationId xmlns="" xmlns:a16="http://schemas.microsoft.com/office/drawing/2014/main" id="{D4579814-60F3-40BC-ADEF-12F974DD2796}"/>
               </a:ext>
             </a:extLst>
           </p:cNvPr>
@@ -12671,7 +12559,7 @@
           <p:cNvPr id="12" name="Content Placeholder 11">
             <a:extLst>
               <a:ext uri="{FF2B5EF4-FFF2-40B4-BE49-F238E27FC236}">
-                <a16:creationId xmlns:a16="http://schemas.microsoft.com/office/drawing/2014/main" xmlns="" id="{EA12F7F4-4A07-4F3E-A191-A5021BD2EBCC}"/>
+                <a16:creationId xmlns="" xmlns:a16="http://schemas.microsoft.com/office/drawing/2014/main" id="{EA12F7F4-4A07-4F3E-A191-A5021BD2EBCC}"/>
               </a:ext>
             </a:extLst>
           </p:cNvPr>
@@ -12716,7 +12604,7 @@
           <p:cNvPr id="13" name="Picture 12">
             <a:extLst>
               <a:ext uri="{FF2B5EF4-FFF2-40B4-BE49-F238E27FC236}">
-                <a16:creationId xmlns:a16="http://schemas.microsoft.com/office/drawing/2014/main" xmlns="" id="{9503A66C-EDE6-414A-8488-35B9DAC50CC2}"/>
+                <a16:creationId xmlns="" xmlns:a16="http://schemas.microsoft.com/office/drawing/2014/main" id="{9503A66C-EDE6-414A-8488-35B9DAC50CC2}"/>
               </a:ext>
             </a:extLst>
           </p:cNvPr>
@@ -13576,7 +13464,7 @@
           <p:cNvPr id="2" name="Title 1">
             <a:extLst>
               <a:ext uri="{FF2B5EF4-FFF2-40B4-BE49-F238E27FC236}">
-                <a16:creationId xmlns:a16="http://schemas.microsoft.com/office/drawing/2014/main" xmlns="" id="{FCDFB45F-0E49-47E3-B196-E290663EF928}"/>
+                <a16:creationId xmlns="" xmlns:a16="http://schemas.microsoft.com/office/drawing/2014/main" id="{FCDFB45F-0E49-47E3-B196-E290663EF928}"/>
               </a:ext>
             </a:extLst>
           </p:cNvPr>
@@ -13618,7 +13506,7 @@
           <p:cNvPr id="4" name="Text Placeholder 3">
             <a:extLst>
               <a:ext uri="{FF2B5EF4-FFF2-40B4-BE49-F238E27FC236}">
-                <a16:creationId xmlns:a16="http://schemas.microsoft.com/office/drawing/2014/main" xmlns="" id="{DD7E1A2E-B59F-44C3-85C5-B5E3A455F876}"/>
+                <a16:creationId xmlns="" xmlns:a16="http://schemas.microsoft.com/office/drawing/2014/main" id="{DD7E1A2E-B59F-44C3-85C5-B5E3A455F876}"/>
               </a:ext>
             </a:extLst>
           </p:cNvPr>
@@ -14334,7 +14222,7 @@
           <p:cNvPr id="2" name="Title 1">
             <a:extLst>
               <a:ext uri="{FF2B5EF4-FFF2-40B4-BE49-F238E27FC236}">
-                <a16:creationId xmlns:a16="http://schemas.microsoft.com/office/drawing/2014/main" xmlns="" id="{FCDFB45F-0E49-47E3-B196-E290663EF928}"/>
+                <a16:creationId xmlns="" xmlns:a16="http://schemas.microsoft.com/office/drawing/2014/main" id="{FCDFB45F-0E49-47E3-B196-E290663EF928}"/>
               </a:ext>
             </a:extLst>
           </p:cNvPr>
@@ -14376,7 +14264,7 @@
           <p:cNvPr id="4" name="Text Placeholder 3">
             <a:extLst>
               <a:ext uri="{FF2B5EF4-FFF2-40B4-BE49-F238E27FC236}">
-                <a16:creationId xmlns:a16="http://schemas.microsoft.com/office/drawing/2014/main" xmlns="" id="{DD7E1A2E-B59F-44C3-85C5-B5E3A455F876}"/>
+                <a16:creationId xmlns="" xmlns:a16="http://schemas.microsoft.com/office/drawing/2014/main" id="{DD7E1A2E-B59F-44C3-85C5-B5E3A455F876}"/>
               </a:ext>
             </a:extLst>
           </p:cNvPr>
@@ -14483,11 +14371,7 @@
           <a:p>
             <a:r>
               <a:rPr lang="en" dirty="0" smtClean="0"/>
-              <a:t>Many </a:t>
-            </a:r>
-            <a:r>
-              <a:rPr lang="en" dirty="0" smtClean="0"/>
-              <a:t>Huge Decision Trees</a:t>
+              <a:t>Many Huge Decision Trees</a:t>
             </a:r>
             <a:endParaRPr dirty="0"/>
           </a:p>
@@ -14842,7 +14726,7 @@
           <p:cNvPr id="5" name="Google Shape;212;p34">
             <a:extLst>
               <a:ext uri="{FF2B5EF4-FFF2-40B4-BE49-F238E27FC236}">
-                <a16:creationId xmlns:a16="http://schemas.microsoft.com/office/drawing/2014/main" xmlns="" id="{9B66B55B-78DA-4FAA-AC9C-93587D6F2E4E}"/>
+                <a16:creationId xmlns="" xmlns:a16="http://schemas.microsoft.com/office/drawing/2014/main" id="{9B66B55B-78DA-4FAA-AC9C-93587D6F2E4E}"/>
               </a:ext>
             </a:extLst>
           </p:cNvPr>
@@ -14876,7 +14760,7 @@
           <p:cNvPr id="6" name="Google Shape;213;p34">
             <a:extLst>
               <a:ext uri="{FF2B5EF4-FFF2-40B4-BE49-F238E27FC236}">
-                <a16:creationId xmlns:a16="http://schemas.microsoft.com/office/drawing/2014/main" xmlns="" id="{3ED3557A-F5F0-4AE5-AF90-D314E55556D0}"/>
+                <a16:creationId xmlns="" xmlns:a16="http://schemas.microsoft.com/office/drawing/2014/main" id="{3ED3557A-F5F0-4AE5-AF90-D314E55556D0}"/>
               </a:ext>
             </a:extLst>
           </p:cNvPr>
@@ -14931,7 +14815,7 @@
           <p:cNvPr id="7" name="Google Shape;214;p34">
             <a:extLst>
               <a:ext uri="{FF2B5EF4-FFF2-40B4-BE49-F238E27FC236}">
-                <a16:creationId xmlns:a16="http://schemas.microsoft.com/office/drawing/2014/main" xmlns="" id="{D10CBA18-F820-4FEC-95D8-59C30441F094}"/>
+                <a16:creationId xmlns="" xmlns:a16="http://schemas.microsoft.com/office/drawing/2014/main" id="{D10CBA18-F820-4FEC-95D8-59C30441F094}"/>
               </a:ext>
             </a:extLst>
           </p:cNvPr>
@@ -14986,7 +14870,7 @@
           <p:cNvPr id="8" name="Google Shape;215;p34">
             <a:extLst>
               <a:ext uri="{FF2B5EF4-FFF2-40B4-BE49-F238E27FC236}">
-                <a16:creationId xmlns:a16="http://schemas.microsoft.com/office/drawing/2014/main" xmlns="" id="{00154F03-132B-4885-A393-B0C47F84AAF9}"/>
+                <a16:creationId xmlns="" xmlns:a16="http://schemas.microsoft.com/office/drawing/2014/main" id="{00154F03-132B-4885-A393-B0C47F84AAF9}"/>
               </a:ext>
             </a:extLst>
           </p:cNvPr>
@@ -15020,7 +14904,7 @@
           <p:cNvPr id="9" name="Google Shape;217;p34">
             <a:extLst>
               <a:ext uri="{FF2B5EF4-FFF2-40B4-BE49-F238E27FC236}">
-                <a16:creationId xmlns:a16="http://schemas.microsoft.com/office/drawing/2014/main" xmlns="" id="{7ABB4C11-A170-465A-AE95-CA4B8D71DA3A}"/>
+                <a16:creationId xmlns="" xmlns:a16="http://schemas.microsoft.com/office/drawing/2014/main" id="{7ABB4C11-A170-465A-AE95-CA4B8D71DA3A}"/>
               </a:ext>
             </a:extLst>
           </p:cNvPr>
@@ -15054,7 +14938,7 @@
           <p:cNvPr id="10" name="Title 1">
             <a:extLst>
               <a:ext uri="{FF2B5EF4-FFF2-40B4-BE49-F238E27FC236}">
-                <a16:creationId xmlns:a16="http://schemas.microsoft.com/office/drawing/2014/main" xmlns="" id="{D4579814-60F3-40BC-ADEF-12F974DD2796}"/>
+                <a16:creationId xmlns="" xmlns:a16="http://schemas.microsoft.com/office/drawing/2014/main" id="{D4579814-60F3-40BC-ADEF-12F974DD2796}"/>
               </a:ext>
             </a:extLst>
           </p:cNvPr>
@@ -15157,7 +15041,7 @@
         </p:nvSpPr>
         <p:spPr>
           <a:xfrm>
-            <a:off x="415600" y="454367"/>
+            <a:off x="618799" y="203201"/>
             <a:ext cx="4421600" cy="1007600"/>
           </a:xfrm>
           <a:prstGeom prst="rect">
@@ -15171,10 +15055,10 @@
           <a:lstStyle/>
           <a:p>
             <a:r>
-              <a:rPr lang="en"/>
+              <a:rPr lang="en" dirty="0"/>
               <a:t>Interesting Weights!</a:t>
             </a:r>
-            <a:endParaRPr/>
+            <a:endParaRPr dirty="0"/>
           </a:p>
         </p:txBody>
       </p:sp>
@@ -15190,7 +15074,7 @@
         </p:nvSpPr>
         <p:spPr>
           <a:xfrm>
-            <a:off x="71433" y="1525900"/>
+            <a:off x="233803" y="1278072"/>
             <a:ext cx="4643600" cy="3557600"/>
           </a:xfrm>
           <a:prstGeom prst="rect">
@@ -15207,40 +15091,55 @@
               <a:buSzPts val="2100"/>
             </a:pPr>
             <a:r>
-              <a:rPr lang="en" sz="2800"/>
-              <a:t>Clean fee was most important indicator</a:t>
-            </a:r>
-            <a:endParaRPr sz="2800"/>
+              <a:rPr lang="en" sz="2800" dirty="0" smtClean="0"/>
+              <a:t>Eli5 lib</a:t>
+            </a:r>
+            <a:r>
+              <a:rPr lang="en-US" sz="2800" dirty="0" smtClean="0"/>
+              <a:t>r</a:t>
+            </a:r>
+            <a:r>
+              <a:rPr lang="en" sz="2800" dirty="0" smtClean="0"/>
+              <a:t>ary to generate chart</a:t>
+            </a:r>
           </a:p>
           <a:p>
             <a:pPr indent="-482588">
               <a:buSzPts val="2100"/>
             </a:pPr>
             <a:r>
-              <a:rPr lang="en" sz="2800"/>
-              <a:t>Number of listings by host was #3</a:t>
-            </a:r>
-            <a:endParaRPr sz="2800"/>
+              <a:rPr lang="en-US" sz="2800" dirty="0"/>
+              <a:t>Clean fee was most important </a:t>
+            </a:r>
+            <a:r>
+              <a:rPr lang="en-US" sz="2800" dirty="0" smtClean="0"/>
+              <a:t>indicator</a:t>
+            </a:r>
+            <a:endParaRPr sz="2800" dirty="0"/>
           </a:p>
           <a:p>
             <a:pPr indent="-482588">
               <a:buSzPts val="2100"/>
             </a:pPr>
             <a:r>
-              <a:rPr lang="en" sz="2800"/>
+              <a:rPr lang="en" sz="2800" dirty="0" smtClean="0"/>
               <a:t>Number of times booked in one month #5</a:t>
             </a:r>
-            <a:endParaRPr sz="2800"/>
+            <a:endParaRPr sz="2800" dirty="0" smtClean="0"/>
           </a:p>
           <a:p>
             <a:pPr indent="-482588">
               <a:buSzPts val="2100"/>
             </a:pPr>
             <a:r>
-              <a:rPr lang="en" sz="2800"/>
-              <a:t>Distance was second, despite my earlier analysis</a:t>
-            </a:r>
-            <a:endParaRPr sz="2800"/>
+              <a:rPr lang="en" sz="2800" dirty="0" smtClean="0"/>
+              <a:t>Distance </a:t>
+            </a:r>
+            <a:r>
+              <a:rPr lang="en" sz="2800" dirty="0"/>
+              <a:t>was second, despite my earlier analysis</a:t>
+            </a:r>
+            <a:endParaRPr sz="2800" dirty="0"/>
           </a:p>
           <a:p>
             <a:pPr marL="0" indent="0">
@@ -15252,7 +15151,7 @@
               </a:spcAft>
               <a:buNone/>
             </a:pPr>
-            <a:endParaRPr sz="2800"/>
+            <a:endParaRPr sz="2800" dirty="0"/>
           </a:p>
         </p:txBody>
       </p:sp>
@@ -15781,7 +15680,7 @@
           <p:cNvPr id="5" name="Text Placeholder 4">
             <a:extLst>
               <a:ext uri="{FF2B5EF4-FFF2-40B4-BE49-F238E27FC236}">
-                <a16:creationId xmlns:a16="http://schemas.microsoft.com/office/drawing/2014/main" xmlns="" id="{9A19A397-BE14-4FF2-8663-39AA154526BC}"/>
+                <a16:creationId xmlns="" xmlns:a16="http://schemas.microsoft.com/office/drawing/2014/main" id="{9A19A397-BE14-4FF2-8663-39AA154526BC}"/>
               </a:ext>
             </a:extLst>
           </p:cNvPr>
@@ -15806,7 +15705,7 @@
           <p:cNvPr id="6" name="Rectangle 5">
             <a:extLst>
               <a:ext uri="{FF2B5EF4-FFF2-40B4-BE49-F238E27FC236}">
-                <a16:creationId xmlns:a16="http://schemas.microsoft.com/office/drawing/2014/main" xmlns="" id="{18A55C8D-52E3-4161-AB29-C3D990C55452}"/>
+                <a16:creationId xmlns="" xmlns:a16="http://schemas.microsoft.com/office/drawing/2014/main" id="{18A55C8D-52E3-4161-AB29-C3D990C55452}"/>
               </a:ext>
             </a:extLst>
           </p:cNvPr>
@@ -15887,7 +15786,7 @@
           <p:cNvPr id="2" name="Title 1">
             <a:extLst>
               <a:ext uri="{FF2B5EF4-FFF2-40B4-BE49-F238E27FC236}">
-                <a16:creationId xmlns:a16="http://schemas.microsoft.com/office/drawing/2014/main" xmlns="" id="{FCDFB45F-0E49-47E3-B196-E290663EF928}"/>
+                <a16:creationId xmlns="" xmlns:a16="http://schemas.microsoft.com/office/drawing/2014/main" id="{FCDFB45F-0E49-47E3-B196-E290663EF928}"/>
               </a:ext>
             </a:extLst>
           </p:cNvPr>
@@ -15929,7 +15828,7 @@
           <p:cNvPr id="3" name="Content Placeholder 2">
             <a:extLst>
               <a:ext uri="{FF2B5EF4-FFF2-40B4-BE49-F238E27FC236}">
-                <a16:creationId xmlns:a16="http://schemas.microsoft.com/office/drawing/2014/main" xmlns="" id="{F201BA7C-0094-4C95-B16E-46EF5D3E42E8}"/>
+                <a16:creationId xmlns="" xmlns:a16="http://schemas.microsoft.com/office/drawing/2014/main" id="{F201BA7C-0094-4C95-B16E-46EF5D3E42E8}"/>
               </a:ext>
             </a:extLst>
           </p:cNvPr>
@@ -15960,7 +15859,7 @@
           <p:cNvPr id="4098" name="Picture 2" descr="common_amenities_under1k.png">
             <a:extLst>
               <a:ext uri="{FF2B5EF4-FFF2-40B4-BE49-F238E27FC236}">
-                <a16:creationId xmlns:a16="http://schemas.microsoft.com/office/drawing/2014/main" xmlns="" id="{911C773A-E5AE-40F5-B98C-471BAAAFFB16}"/>
+                <a16:creationId xmlns="" xmlns:a16="http://schemas.microsoft.com/office/drawing/2014/main" id="{911C773A-E5AE-40F5-B98C-471BAAAFFB16}"/>
               </a:ext>
             </a:extLst>
           </p:cNvPr>
@@ -16047,7 +15946,7 @@
           <p:cNvPr id="2" name="Title 1">
             <a:extLst>
               <a:ext uri="{FF2B5EF4-FFF2-40B4-BE49-F238E27FC236}">
-                <a16:creationId xmlns:a16="http://schemas.microsoft.com/office/drawing/2014/main" xmlns="" id="{FCDFB45F-0E49-47E3-B196-E290663EF928}"/>
+                <a16:creationId xmlns="" xmlns:a16="http://schemas.microsoft.com/office/drawing/2014/main" id="{FCDFB45F-0E49-47E3-B196-E290663EF928}"/>
               </a:ext>
             </a:extLst>
           </p:cNvPr>
@@ -16089,7 +15988,7 @@
           <p:cNvPr id="3" name="Content Placeholder 2">
             <a:extLst>
               <a:ext uri="{FF2B5EF4-FFF2-40B4-BE49-F238E27FC236}">
-                <a16:creationId xmlns:a16="http://schemas.microsoft.com/office/drawing/2014/main" xmlns="" id="{F201BA7C-0094-4C95-B16E-46EF5D3E42E8}"/>
+                <a16:creationId xmlns="" xmlns:a16="http://schemas.microsoft.com/office/drawing/2014/main" id="{F201BA7C-0094-4C95-B16E-46EF5D3E42E8}"/>
               </a:ext>
             </a:extLst>
           </p:cNvPr>
@@ -16207,7 +16106,7 @@
           <p:cNvPr id="2" name="Title 1">
             <a:extLst>
               <a:ext uri="{FF2B5EF4-FFF2-40B4-BE49-F238E27FC236}">
-                <a16:creationId xmlns:a16="http://schemas.microsoft.com/office/drawing/2014/main" xmlns="" id="{FCDFB45F-0E49-47E3-B196-E290663EF928}"/>
+                <a16:creationId xmlns="" xmlns:a16="http://schemas.microsoft.com/office/drawing/2014/main" id="{FCDFB45F-0E49-47E3-B196-E290663EF928}"/>
               </a:ext>
             </a:extLst>
           </p:cNvPr>
@@ -16249,7 +16148,7 @@
           <p:cNvPr id="3" name="Content Placeholder 2">
             <a:extLst>
               <a:ext uri="{FF2B5EF4-FFF2-40B4-BE49-F238E27FC236}">
-                <a16:creationId xmlns:a16="http://schemas.microsoft.com/office/drawing/2014/main" xmlns="" id="{F201BA7C-0094-4C95-B16E-46EF5D3E42E8}"/>
+                <a16:creationId xmlns="" xmlns:a16="http://schemas.microsoft.com/office/drawing/2014/main" id="{F201BA7C-0094-4C95-B16E-46EF5D3E42E8}"/>
               </a:ext>
             </a:extLst>
           </p:cNvPr>
@@ -16300,7 +16199,7 @@
           <p:cNvPr id="5" name="Picture 4">
             <a:extLst>
               <a:ext uri="{FF2B5EF4-FFF2-40B4-BE49-F238E27FC236}">
-                <a16:creationId xmlns:a16="http://schemas.microsoft.com/office/drawing/2014/main" xmlns="" id="{0E1CD123-C642-4B2B-8B64-081F3CE03162}"/>
+                <a16:creationId xmlns="" xmlns:a16="http://schemas.microsoft.com/office/drawing/2014/main" id="{0E1CD123-C642-4B2B-8B64-081F3CE03162}"/>
               </a:ext>
             </a:extLst>
           </p:cNvPr>
@@ -16371,7 +16270,7 @@
           <p:cNvPr id="2" name="Title 1">
             <a:extLst>
               <a:ext uri="{FF2B5EF4-FFF2-40B4-BE49-F238E27FC236}">
-                <a16:creationId xmlns:a16="http://schemas.microsoft.com/office/drawing/2014/main" xmlns="" id="{FCDFB45F-0E49-47E3-B196-E290663EF928}"/>
+                <a16:creationId xmlns="" xmlns:a16="http://schemas.microsoft.com/office/drawing/2014/main" id="{FCDFB45F-0E49-47E3-B196-E290663EF928}"/>
               </a:ext>
             </a:extLst>
           </p:cNvPr>
@@ -16413,7 +16312,7 @@
           <p:cNvPr id="3" name="Content Placeholder 2">
             <a:extLst>
               <a:ext uri="{FF2B5EF4-FFF2-40B4-BE49-F238E27FC236}">
-                <a16:creationId xmlns:a16="http://schemas.microsoft.com/office/drawing/2014/main" xmlns="" id="{F201BA7C-0094-4C95-B16E-46EF5D3E42E8}"/>
+                <a16:creationId xmlns="" xmlns:a16="http://schemas.microsoft.com/office/drawing/2014/main" id="{F201BA7C-0094-4C95-B16E-46EF5D3E42E8}"/>
               </a:ext>
             </a:extLst>
           </p:cNvPr>
@@ -16444,7 +16343,7 @@
           <p:cNvPr id="5122" name="Picture 2" descr="booked_no_cal.png">
             <a:extLst>
               <a:ext uri="{FF2B5EF4-FFF2-40B4-BE49-F238E27FC236}">
-                <a16:creationId xmlns:a16="http://schemas.microsoft.com/office/drawing/2014/main" xmlns="" id="{425DF10F-7C44-4ABF-A2C5-6F7980F3D290}"/>
+                <a16:creationId xmlns="" xmlns:a16="http://schemas.microsoft.com/office/drawing/2014/main" id="{425DF10F-7C44-4ABF-A2C5-6F7980F3D290}"/>
               </a:ext>
             </a:extLst>
           </p:cNvPr>
@@ -16521,7 +16420,7 @@
           <p:cNvPr id="2" name="Title 1">
             <a:extLst>
               <a:ext uri="{FF2B5EF4-FFF2-40B4-BE49-F238E27FC236}">
-                <a16:creationId xmlns:a16="http://schemas.microsoft.com/office/drawing/2014/main" xmlns="" id="{FCDFB45F-0E49-47E3-B196-E290663EF928}"/>
+                <a16:creationId xmlns="" xmlns:a16="http://schemas.microsoft.com/office/drawing/2014/main" id="{FCDFB45F-0E49-47E3-B196-E290663EF928}"/>
               </a:ext>
             </a:extLst>
           </p:cNvPr>
@@ -16563,7 +16462,7 @@
           <p:cNvPr id="3" name="Content Placeholder 2">
             <a:extLst>
               <a:ext uri="{FF2B5EF4-FFF2-40B4-BE49-F238E27FC236}">
-                <a16:creationId xmlns:a16="http://schemas.microsoft.com/office/drawing/2014/main" xmlns="" id="{F201BA7C-0094-4C95-B16E-46EF5D3E42E8}"/>
+                <a16:creationId xmlns="" xmlns:a16="http://schemas.microsoft.com/office/drawing/2014/main" id="{F201BA7C-0094-4C95-B16E-46EF5D3E42E8}"/>
               </a:ext>
             </a:extLst>
           </p:cNvPr>
@@ -16594,7 +16493,7 @@
           <p:cNvPr id="12292" name="Picture 4" descr="price_by_wkday.png">
             <a:extLst>
               <a:ext uri="{FF2B5EF4-FFF2-40B4-BE49-F238E27FC236}">
-                <a16:creationId xmlns:a16="http://schemas.microsoft.com/office/drawing/2014/main" xmlns="" id="{9E36ABC0-4EA1-4B9F-A288-19A28A179EEB}"/>
+                <a16:creationId xmlns="" xmlns:a16="http://schemas.microsoft.com/office/drawing/2014/main" id="{9E36ABC0-4EA1-4B9F-A288-19A28A179EEB}"/>
               </a:ext>
             </a:extLst>
           </p:cNvPr>
@@ -16641,7 +16540,7 @@
           <p:cNvPr id="4" name="Picture 3">
             <a:extLst>
               <a:ext uri="{FF2B5EF4-FFF2-40B4-BE49-F238E27FC236}">
-                <a16:creationId xmlns:a16="http://schemas.microsoft.com/office/drawing/2014/main" xmlns="" id="{9B48E00F-0871-4D6C-8994-E4842E4BE246}"/>
+                <a16:creationId xmlns="" xmlns:a16="http://schemas.microsoft.com/office/drawing/2014/main" id="{9B48E00F-0871-4D6C-8994-E4842E4BE246}"/>
               </a:ext>
             </a:extLst>
           </p:cNvPr>
@@ -16720,10 +16619,10 @@
           <p:cNvPr id="71" name="Rectangle 70">
             <a:extLst>
               <a:ext uri="{FF2B5EF4-FFF2-40B4-BE49-F238E27FC236}">
-                <a16:creationId xmlns:a16="http://schemas.microsoft.com/office/drawing/2014/main" xmlns="" id="{B192E7EA-5B03-420C-B4C4-2CDF8AFF971E}"/>
+                <a16:creationId xmlns="" xmlns:a16="http://schemas.microsoft.com/office/drawing/2014/main" id="{B192E7EA-5B03-420C-B4C4-2CDF8AFF971E}"/>
               </a:ext>
               <a:ext uri="{C183D7F6-B498-43B3-948B-1728B52AA6E4}">
-                <adec:decorative xmlns:adec="http://schemas.microsoft.com/office/drawing/2017/decorative" xmlns="" val="1"/>
+                <adec:decorative xmlns="" xmlns:adec="http://schemas.microsoft.com/office/drawing/2017/decorative" val="1"/>
               </a:ext>
             </a:extLst>
           </p:cNvPr>
@@ -16733,7 +16632,7 @@
           <p:nvPr>
             <p:extLst>
               <p:ext uri="{386F3935-93C4-4BCD-93E2-E3B085C9AB24}">
-                <p16:designElem xmlns:p16="http://schemas.microsoft.com/office/powerpoint/2015/main" xmlns="" val="1"/>
+                <p16:designElem xmlns="" xmlns:p16="http://schemas.microsoft.com/office/powerpoint/2015/main" val="1"/>
               </p:ext>
             </p:extLst>
           </p:nvPr>
@@ -16783,10 +16682,10 @@
           <p:cNvPr id="73" name="Rectangle 72">
             <a:extLst>
               <a:ext uri="{FF2B5EF4-FFF2-40B4-BE49-F238E27FC236}">
-                <a16:creationId xmlns:a16="http://schemas.microsoft.com/office/drawing/2014/main" xmlns="" id="{F3F7E4C3-BCCD-45DD-A83B-0960D4ECB6F9}"/>
+                <a16:creationId xmlns="" xmlns:a16="http://schemas.microsoft.com/office/drawing/2014/main" id="{F3F7E4C3-BCCD-45DD-A83B-0960D4ECB6F9}"/>
               </a:ext>
               <a:ext uri="{C183D7F6-B498-43B3-948B-1728B52AA6E4}">
-                <adec:decorative xmlns:adec="http://schemas.microsoft.com/office/drawing/2017/decorative" xmlns="" val="1"/>
+                <adec:decorative xmlns="" xmlns:adec="http://schemas.microsoft.com/office/drawing/2017/decorative" val="1"/>
               </a:ext>
             </a:extLst>
           </p:cNvPr>
@@ -16796,7 +16695,7 @@
           <p:nvPr>
             <p:extLst>
               <p:ext uri="{386F3935-93C4-4BCD-93E2-E3B085C9AB24}">
-                <p16:designElem xmlns:p16="http://schemas.microsoft.com/office/powerpoint/2015/main" xmlns="" val="1"/>
+                <p16:designElem xmlns="" xmlns:p16="http://schemas.microsoft.com/office/powerpoint/2015/main" val="1"/>
               </p:ext>
             </p:extLst>
           </p:nvPr>
@@ -16853,7 +16752,7 @@
           <p:cNvPr id="13314" name="Picture 2" descr="ngbhd_by_price_under1k.png">
             <a:extLst>
               <a:ext uri="{FF2B5EF4-FFF2-40B4-BE49-F238E27FC236}">
-                <a16:creationId xmlns:a16="http://schemas.microsoft.com/office/drawing/2014/main" xmlns="" id="{6A0ED7CE-1CD6-4B7A-92B4-23EEB8BD8FBF}"/>
+                <a16:creationId xmlns="" xmlns:a16="http://schemas.microsoft.com/office/drawing/2014/main" id="{6A0ED7CE-1CD6-4B7A-92B4-23EEB8BD8FBF}"/>
               </a:ext>
             </a:extLst>
           </p:cNvPr>
@@ -16947,10 +16846,10 @@
           <p:cNvPr id="73" name="Rectangle 72">
             <a:extLst>
               <a:ext uri="{FF2B5EF4-FFF2-40B4-BE49-F238E27FC236}">
-                <a16:creationId xmlns:a16="http://schemas.microsoft.com/office/drawing/2014/main" xmlns="" id="{6A57C1BC-D661-4607-B02D-2B22919C0753}"/>
+                <a16:creationId xmlns="" xmlns:a16="http://schemas.microsoft.com/office/drawing/2014/main" id="{6A57C1BC-D661-4607-B02D-2B22919C0753}"/>
               </a:ext>
               <a:ext uri="{C183D7F6-B498-43B3-948B-1728B52AA6E4}">
-                <adec:decorative xmlns:adec="http://schemas.microsoft.com/office/drawing/2017/decorative" xmlns="" val="1"/>
+                <adec:decorative xmlns="" xmlns:adec="http://schemas.microsoft.com/office/drawing/2017/decorative" val="1"/>
               </a:ext>
             </a:extLst>
           </p:cNvPr>
@@ -16960,7 +16859,7 @@
           <p:nvPr>
             <p:extLst>
               <p:ext uri="{386F3935-93C4-4BCD-93E2-E3B085C9AB24}">
-                <p16:designElem xmlns:p16="http://schemas.microsoft.com/office/powerpoint/2015/main" xmlns="" val="1"/>
+                <p16:designElem xmlns="" xmlns:p16="http://schemas.microsoft.com/office/powerpoint/2015/main" val="1"/>
               </p:ext>
             </p:extLst>
           </p:nvPr>
@@ -17013,10 +16912,10 @@
           <p:cNvPr id="75" name="Rectangle 74">
             <a:extLst>
               <a:ext uri="{FF2B5EF4-FFF2-40B4-BE49-F238E27FC236}">
-                <a16:creationId xmlns:a16="http://schemas.microsoft.com/office/drawing/2014/main" xmlns="" id="{7EDE6182-B3FE-49A1-AE1A-7CB2489DC493}"/>
+                <a16:creationId xmlns="" xmlns:a16="http://schemas.microsoft.com/office/drawing/2014/main" id="{7EDE6182-B3FE-49A1-AE1A-7CB2489DC493}"/>
               </a:ext>
               <a:ext uri="{C183D7F6-B498-43B3-948B-1728B52AA6E4}">
-                <adec:decorative xmlns:adec="http://schemas.microsoft.com/office/drawing/2017/decorative" xmlns="" val="1"/>
+                <adec:decorative xmlns="" xmlns:adec="http://schemas.microsoft.com/office/drawing/2017/decorative" val="1"/>
               </a:ext>
             </a:extLst>
           </p:cNvPr>
@@ -17026,7 +16925,7 @@
           <p:nvPr>
             <p:extLst>
               <p:ext uri="{386F3935-93C4-4BCD-93E2-E3B085C9AB24}">
-                <p16:designElem xmlns:p16="http://schemas.microsoft.com/office/powerpoint/2015/main" xmlns="" val="1"/>
+                <p16:designElem xmlns="" xmlns:p16="http://schemas.microsoft.com/office/powerpoint/2015/main" val="1"/>
               </p:ext>
             </p:extLst>
           </p:nvPr>
@@ -17078,7 +16977,7 @@
           <p:cNvPr id="14338" name="Picture 2" descr="room_by_price_under1k.png">
             <a:extLst>
               <a:ext uri="{FF2B5EF4-FFF2-40B4-BE49-F238E27FC236}">
-                <a16:creationId xmlns:a16="http://schemas.microsoft.com/office/drawing/2014/main" xmlns="" id="{D5B6A8BC-A4FD-4DAC-B7F3-8B8AA8920A18}"/>
+                <a16:creationId xmlns="" xmlns:a16="http://schemas.microsoft.com/office/drawing/2014/main" id="{D5B6A8BC-A4FD-4DAC-B7F3-8B8AA8920A18}"/>
               </a:ext>
             </a:extLst>
           </p:cNvPr>
@@ -17134,10 +17033,10 @@
           <p:cNvPr id="77" name="Rectangle 76">
             <a:extLst>
               <a:ext uri="{FF2B5EF4-FFF2-40B4-BE49-F238E27FC236}">
-                <a16:creationId xmlns:a16="http://schemas.microsoft.com/office/drawing/2014/main" xmlns="" id="{67D5B627-7733-4429-B5AB-8AD670F9A339}"/>
+                <a16:creationId xmlns="" xmlns:a16="http://schemas.microsoft.com/office/drawing/2014/main" id="{67D5B627-7733-4429-B5AB-8AD670F9A339}"/>
               </a:ext>
               <a:ext uri="{C183D7F6-B498-43B3-948B-1728B52AA6E4}">
-                <adec:decorative xmlns:adec="http://schemas.microsoft.com/office/drawing/2017/decorative" xmlns="" val="1"/>
+                <adec:decorative xmlns="" xmlns:adec="http://schemas.microsoft.com/office/drawing/2017/decorative" val="1"/>
               </a:ext>
             </a:extLst>
           </p:cNvPr>
@@ -17147,7 +17046,7 @@
           <p:nvPr>
             <p:extLst>
               <p:ext uri="{386F3935-93C4-4BCD-93E2-E3B085C9AB24}">
-                <p16:designElem xmlns:p16="http://schemas.microsoft.com/office/powerpoint/2015/main" xmlns="" val="1"/>
+                <p16:designElem xmlns="" xmlns:p16="http://schemas.microsoft.com/office/powerpoint/2015/main" val="1"/>
               </p:ext>
             </p:extLst>
           </p:nvPr>
@@ -17199,7 +17098,7 @@
           <p:cNvPr id="14340" name="Picture 4" descr="property_by_price_under1k.png">
             <a:extLst>
               <a:ext uri="{FF2B5EF4-FFF2-40B4-BE49-F238E27FC236}">
-                <a16:creationId xmlns:a16="http://schemas.microsoft.com/office/drawing/2014/main" xmlns="" id="{10A61D54-803F-40AD-AE20-DF2F3C08654B}"/>
+                <a16:creationId xmlns="" xmlns:a16="http://schemas.microsoft.com/office/drawing/2014/main" id="{10A61D54-803F-40AD-AE20-DF2F3C08654B}"/>
               </a:ext>
             </a:extLst>
           </p:cNvPr>
@@ -17255,7 +17154,7 @@
           <p:cNvPr id="4" name="Rectangle 3">
             <a:extLst>
               <a:ext uri="{FF2B5EF4-FFF2-40B4-BE49-F238E27FC236}">
-                <a16:creationId xmlns:a16="http://schemas.microsoft.com/office/drawing/2014/main" xmlns="" id="{6A27C7E5-377D-4F74-9D46-CB1CA404B755}"/>
+                <a16:creationId xmlns="" xmlns:a16="http://schemas.microsoft.com/office/drawing/2014/main" id="{6A27C7E5-377D-4F74-9D46-CB1CA404B755}"/>
               </a:ext>
             </a:extLst>
           </p:cNvPr>
@@ -17306,7 +17205,7 @@
           <p:cNvPr id="10" name="Rectangle 9">
             <a:extLst>
               <a:ext uri="{FF2B5EF4-FFF2-40B4-BE49-F238E27FC236}">
-                <a16:creationId xmlns:a16="http://schemas.microsoft.com/office/drawing/2014/main" xmlns="" id="{6A9927F2-94B9-463A-B33E-94F3495F35DD}"/>
+                <a16:creationId xmlns="" xmlns:a16="http://schemas.microsoft.com/office/drawing/2014/main" id="{6A9927F2-94B9-463A-B33E-94F3495F35DD}"/>
               </a:ext>
             </a:extLst>
           </p:cNvPr>
@@ -17596,7 +17495,7 @@
   <a:extraClrSchemeLst/>
   <a:extLst>
     <a:ext uri="{05A4C25C-085E-4340-85A3-A5531E510DB2}">
-      <thm15:themeFamily xmlns:thm15="http://schemas.microsoft.com/office/thememl/2012/main" xmlns="" name="Basis" id="{5665723A-49BA-4B57-8411-A56F8F207965}" vid="{ACC63D00-1EE0-4159-BF5A-6FF02000B710}"/>
+      <thm15:themeFamily xmlns="" xmlns:thm15="http://schemas.microsoft.com/office/thememl/2012/main" name="Basis" id="{5665723A-49BA-4B57-8411-A56F8F207965}" vid="{ACC63D00-1EE0-4159-BF5A-6FF02000B710}"/>
     </a:ext>
   </a:extLst>
 </a:theme>
@@ -18172,7 +18071,7 @@
   <a:extraClrSchemeLst/>
   <a:extLst>
     <a:ext uri="{05A4C25C-085E-4340-85A3-A5531E510DB2}">
-      <thm15:themeFamily xmlns:thm15="http://schemas.microsoft.com/office/thememl/2012/main" xmlns="" name="Office Theme" id="{62F939B6-93AF-4DB8-9C6B-D6C7DFDC589F}" vid="{4A3C46E8-61CC-4603-A589-7422A47A8E4A}"/>
+      <thm15:themeFamily xmlns="" xmlns:thm15="http://schemas.microsoft.com/office/thememl/2012/main" name="Office Theme" id="{62F939B6-93AF-4DB8-9C6B-D6C7DFDC589F}" vid="{4A3C46E8-61CC-4603-A589-7422A47A8E4A}"/>
     </a:ext>
   </a:extLst>
 </a:theme>
